--- a/docs/tdla.pptx
+++ b/docs/tdla.pptx
@@ -7,15 +7,17 @@
   <p:sldIdLst>
     <p:sldId id="256" r:id="rId2"/>
     <p:sldId id="257" r:id="rId3"/>
-    <p:sldId id="259" r:id="rId4"/>
-    <p:sldId id="258" r:id="rId5"/>
-    <p:sldId id="260" r:id="rId6"/>
-    <p:sldId id="261" r:id="rId7"/>
-    <p:sldId id="262" r:id="rId8"/>
-    <p:sldId id="263" r:id="rId9"/>
-    <p:sldId id="264" r:id="rId10"/>
-    <p:sldId id="265" r:id="rId11"/>
-    <p:sldId id="266" r:id="rId12"/>
+    <p:sldId id="269" r:id="rId4"/>
+    <p:sldId id="259" r:id="rId5"/>
+    <p:sldId id="258" r:id="rId6"/>
+    <p:sldId id="267" r:id="rId7"/>
+    <p:sldId id="261" r:id="rId8"/>
+    <p:sldId id="268" r:id="rId9"/>
+    <p:sldId id="262" r:id="rId10"/>
+    <p:sldId id="263" r:id="rId11"/>
+    <p:sldId id="270" r:id="rId12"/>
+    <p:sldId id="265" r:id="rId13"/>
+    <p:sldId id="266" r:id="rId14"/>
   </p:sldIdLst>
   <p:sldSz cx="12192000" cy="6858000"/>
   <p:notesSz cx="6858000" cy="9144000"/>
@@ -114,6 +116,11 @@
       </a:defRPr>
     </a:lvl9pPr>
   </p:defaultTextStyle>
+  <p:extLst>
+    <p:ext uri="{EFAFB233-063F-42B5-8137-9DF3F51BA10A}">
+      <p15:sldGuideLst xmlns:p15="http://schemas.microsoft.com/office/powerpoint/2012/main"/>
+    </p:ext>
+  </p:extLst>
 </p:presentation>
 </file>
 
@@ -302,7 +309,7 @@
           <a:p>
             <a:fld id="{9C1B14F2-675C-409D-A98C-75BB68D57685}" type="datetimeFigureOut">
               <a:rPr lang="en-GB" smtClean="0"/>
-              <a:t>17/12/2020</a:t>
+              <a:t>18/12/2020</a:t>
             </a:fld>
             <a:endParaRPr lang="en-GB"/>
           </a:p>
@@ -600,7 +607,7 @@
           <a:p>
             <a:fld id="{9C1B14F2-675C-409D-A98C-75BB68D57685}" type="datetimeFigureOut">
               <a:rPr lang="en-GB" smtClean="0"/>
-              <a:t>17/12/2020</a:t>
+              <a:t>18/12/2020</a:t>
             </a:fld>
             <a:endParaRPr lang="en-GB"/>
           </a:p>
@@ -792,7 +799,7 @@
           <a:p>
             <a:fld id="{9C1B14F2-675C-409D-A98C-75BB68D57685}" type="datetimeFigureOut">
               <a:rPr lang="en-GB" smtClean="0"/>
-              <a:t>17/12/2020</a:t>
+              <a:t>18/12/2020</a:t>
             </a:fld>
             <a:endParaRPr lang="en-GB"/>
           </a:p>
@@ -1053,7 +1060,7 @@
           <a:p>
             <a:fld id="{9C1B14F2-675C-409D-A98C-75BB68D57685}" type="datetimeFigureOut">
               <a:rPr lang="en-GB" smtClean="0"/>
-              <a:t>17/12/2020</a:t>
+              <a:t>18/12/2020</a:t>
             </a:fld>
             <a:endParaRPr lang="en-GB"/>
           </a:p>
@@ -1477,7 +1484,7 @@
           <a:p>
             <a:fld id="{9C1B14F2-675C-409D-A98C-75BB68D57685}" type="datetimeFigureOut">
               <a:rPr lang="en-GB" smtClean="0"/>
-              <a:t>17/12/2020</a:t>
+              <a:t>18/12/2020</a:t>
             </a:fld>
             <a:endParaRPr lang="en-GB"/>
           </a:p>
@@ -2014,7 +2021,7 @@
           <a:p>
             <a:fld id="{9C1B14F2-675C-409D-A98C-75BB68D57685}" type="datetimeFigureOut">
               <a:rPr lang="en-GB" smtClean="0"/>
-              <a:t>17/12/2020</a:t>
+              <a:t>18/12/2020</a:t>
             </a:fld>
             <a:endParaRPr lang="en-GB"/>
           </a:p>
@@ -2878,7 +2885,7 @@
           <a:p>
             <a:fld id="{9C1B14F2-675C-409D-A98C-75BB68D57685}" type="datetimeFigureOut">
               <a:rPr lang="en-GB" smtClean="0"/>
-              <a:t>17/12/2020</a:t>
+              <a:t>18/12/2020</a:t>
             </a:fld>
             <a:endParaRPr lang="en-GB"/>
           </a:p>
@@ -3048,7 +3055,7 @@
           <a:p>
             <a:fld id="{9C1B14F2-675C-409D-A98C-75BB68D57685}" type="datetimeFigureOut">
               <a:rPr lang="en-GB" smtClean="0"/>
-              <a:t>17/12/2020</a:t>
+              <a:t>18/12/2020</a:t>
             </a:fld>
             <a:endParaRPr lang="en-GB"/>
           </a:p>
@@ -3232,7 +3239,7 @@
           <a:p>
             <a:fld id="{9C1B14F2-675C-409D-A98C-75BB68D57685}" type="datetimeFigureOut">
               <a:rPr lang="en-GB" smtClean="0"/>
-              <a:t>17/12/2020</a:t>
+              <a:t>18/12/2020</a:t>
             </a:fld>
             <a:endParaRPr lang="en-GB"/>
           </a:p>
@@ -3402,7 +3409,7 @@
           <a:p>
             <a:fld id="{9C1B14F2-675C-409D-A98C-75BB68D57685}" type="datetimeFigureOut">
               <a:rPr lang="en-GB" smtClean="0"/>
-              <a:t>17/12/2020</a:t>
+              <a:t>18/12/2020</a:t>
             </a:fld>
             <a:endParaRPr lang="en-GB"/>
           </a:p>
@@ -3646,7 +3653,7 @@
           <a:p>
             <a:fld id="{9C1B14F2-675C-409D-A98C-75BB68D57685}" type="datetimeFigureOut">
               <a:rPr lang="en-GB" smtClean="0"/>
-              <a:t>17/12/2020</a:t>
+              <a:t>18/12/2020</a:t>
             </a:fld>
             <a:endParaRPr lang="en-GB"/>
           </a:p>
@@ -3882,7 +3889,7 @@
           <a:p>
             <a:fld id="{9C1B14F2-675C-409D-A98C-75BB68D57685}" type="datetimeFigureOut">
               <a:rPr lang="en-GB" smtClean="0"/>
-              <a:t>17/12/2020</a:t>
+              <a:t>18/12/2020</a:t>
             </a:fld>
             <a:endParaRPr lang="en-GB"/>
           </a:p>
@@ -4348,7 +4355,7 @@
           <a:p>
             <a:fld id="{9C1B14F2-675C-409D-A98C-75BB68D57685}" type="datetimeFigureOut">
               <a:rPr lang="en-GB" smtClean="0"/>
-              <a:t>17/12/2020</a:t>
+              <a:t>18/12/2020</a:t>
             </a:fld>
             <a:endParaRPr lang="en-GB"/>
           </a:p>
@@ -4466,7 +4473,7 @@
           <a:p>
             <a:fld id="{9C1B14F2-675C-409D-A98C-75BB68D57685}" type="datetimeFigureOut">
               <a:rPr lang="en-GB" smtClean="0"/>
-              <a:t>17/12/2020</a:t>
+              <a:t>18/12/2020</a:t>
             </a:fld>
             <a:endParaRPr lang="en-GB"/>
           </a:p>
@@ -4561,7 +4568,7 @@
           <a:p>
             <a:fld id="{9C1B14F2-675C-409D-A98C-75BB68D57685}" type="datetimeFigureOut">
               <a:rPr lang="en-GB" smtClean="0"/>
-              <a:t>17/12/2020</a:t>
+              <a:t>18/12/2020</a:t>
             </a:fld>
             <a:endParaRPr lang="en-GB"/>
           </a:p>
@@ -4816,7 +4823,7 @@
           <a:p>
             <a:fld id="{9C1B14F2-675C-409D-A98C-75BB68D57685}" type="datetimeFigureOut">
               <a:rPr lang="en-GB" smtClean="0"/>
-              <a:t>17/12/2020</a:t>
+              <a:t>18/12/2020</a:t>
             </a:fld>
             <a:endParaRPr lang="en-GB"/>
           </a:p>
@@ -5116,7 +5123,7 @@
           <a:p>
             <a:fld id="{9C1B14F2-675C-409D-A98C-75BB68D57685}" type="datetimeFigureOut">
               <a:rPr lang="en-GB" smtClean="0"/>
-              <a:t>17/12/2020</a:t>
+              <a:t>18/12/2020</a:t>
             </a:fld>
             <a:endParaRPr lang="en-GB"/>
           </a:p>
@@ -5350,7 +5357,7 @@
           <a:p>
             <a:fld id="{9C1B14F2-675C-409D-A98C-75BB68D57685}" type="datetimeFigureOut">
               <a:rPr lang="en-GB" smtClean="0"/>
-              <a:t>17/12/2020</a:t>
+              <a:t>18/12/2020</a:t>
             </a:fld>
             <a:endParaRPr lang="en-GB"/>
           </a:p>
@@ -6115,6 +6122,414 @@
           <p:cNvPr id="2" name="Title 1">
             <a:extLst>
               <a:ext uri="{FF2B5EF4-FFF2-40B4-BE49-F238E27FC236}">
+                <a16:creationId xmlns:a16="http://schemas.microsoft.com/office/drawing/2014/main" id="{9CB2D0AE-F467-4E9E-8A3C-1A489EE9AA4A}"/>
+              </a:ext>
+            </a:extLst>
+          </p:cNvPr>
+          <p:cNvSpPr>
+            <a:spLocks noGrp="1"/>
+          </p:cNvSpPr>
+          <p:nvPr>
+            <p:ph type="title"/>
+          </p:nvPr>
+        </p:nvSpPr>
+        <p:spPr/>
+        <p:txBody>
+          <a:bodyPr/>
+          <a:lstStyle/>
+          <a:p>
+            <a:r>
+              <a:rPr lang="en-GB" dirty="0"/>
+              <a:t>Sprint Review</a:t>
+            </a:r>
+          </a:p>
+        </p:txBody>
+      </p:sp>
+      <p:pic>
+        <p:nvPicPr>
+          <p:cNvPr id="8" name="Content Placeholder 7">
+            <a:extLst>
+              <a:ext uri="{FF2B5EF4-FFF2-40B4-BE49-F238E27FC236}">
+                <a16:creationId xmlns:a16="http://schemas.microsoft.com/office/drawing/2014/main" id="{B1E1AD1B-516D-43EB-B3CA-40D226539308}"/>
+              </a:ext>
+            </a:extLst>
+          </p:cNvPr>
+          <p:cNvPicPr>
+            <a:picLocks noGrp="1" noChangeAspect="1"/>
+          </p:cNvPicPr>
+          <p:nvPr>
+            <p:ph idx="1"/>
+          </p:nvPr>
+        </p:nvPicPr>
+        <p:blipFill>
+          <a:blip r:embed="rId2"/>
+          <a:stretch>
+            <a:fillRect/>
+          </a:stretch>
+        </p:blipFill>
+        <p:spPr>
+          <a:xfrm>
+            <a:off x="914400" y="2562805"/>
+            <a:ext cx="10353675" cy="2397552"/>
+          </a:xfrm>
+        </p:spPr>
+      </p:pic>
+    </p:spTree>
+    <p:extLst>
+      <p:ext uri="{BB962C8B-B14F-4D97-AF65-F5344CB8AC3E}">
+        <p14:creationId xmlns:p14="http://schemas.microsoft.com/office/powerpoint/2010/main" val="3133325820"/>
+      </p:ext>
+    </p:extLst>
+  </p:cSld>
+  <p:clrMapOvr>
+    <a:masterClrMapping/>
+  </p:clrMapOvr>
+</p:sld>
+</file>
+
+<file path=ppt/slides/slide11.xml><?xml version="1.0" encoding="utf-8"?>
+<p:sld xmlns:a="http://schemas.openxmlformats.org/drawingml/2006/main" xmlns:r="http://schemas.openxmlformats.org/officeDocument/2006/relationships" xmlns:p="http://schemas.openxmlformats.org/presentationml/2006/main">
+  <p:cSld>
+    <p:bg>
+      <p:bgPr>
+        <a:blipFill rotWithShape="1">
+          <a:blip r:embed="rId2">
+            <a:duotone>
+              <a:schemeClr val="bg2">
+                <a:shade val="80000"/>
+                <a:lumMod val="80000"/>
+              </a:schemeClr>
+              <a:schemeClr val="bg2">
+                <a:tint val="98000"/>
+              </a:schemeClr>
+            </a:duotone>
+          </a:blip>
+          <a:stretch/>
+        </a:blipFill>
+        <a:effectLst/>
+      </p:bgPr>
+    </p:bg>
+    <p:spTree>
+      <p:nvGrpSpPr>
+        <p:cNvPr id="1" name=""/>
+        <p:cNvGrpSpPr/>
+        <p:nvPr/>
+      </p:nvGrpSpPr>
+      <p:grpSpPr>
+        <a:xfrm>
+          <a:off x="0" y="0"/>
+          <a:ext cx="0" cy="0"/>
+          <a:chOff x="0" y="0"/>
+          <a:chExt cx="0" cy="0"/>
+        </a:xfrm>
+      </p:grpSpPr>
+      <p:sp>
+        <p:nvSpPr>
+          <p:cNvPr id="2" name="Title 1">
+            <a:extLst>
+              <a:ext uri="{FF2B5EF4-FFF2-40B4-BE49-F238E27FC236}">
+                <a16:creationId xmlns:a16="http://schemas.microsoft.com/office/drawing/2014/main" id="{2F475C30-5166-411B-814E-7F8013E5B8C7}"/>
+              </a:ext>
+            </a:extLst>
+          </p:cNvPr>
+          <p:cNvSpPr>
+            <a:spLocks noGrp="1"/>
+          </p:cNvSpPr>
+          <p:nvPr>
+            <p:ph type="title"/>
+          </p:nvPr>
+        </p:nvSpPr>
+        <p:spPr>
+          <a:xfrm>
+            <a:off x="5279472" y="609600"/>
+            <a:ext cx="5844759" cy="970450"/>
+          </a:xfrm>
+        </p:spPr>
+        <p:txBody>
+          <a:bodyPr>
+            <a:normAutofit/>
+          </a:bodyPr>
+          <a:lstStyle/>
+          <a:p>
+            <a:r>
+              <a:rPr lang="en-GB" dirty="0"/>
+              <a:t>Sprint Retrospective</a:t>
+            </a:r>
+          </a:p>
+        </p:txBody>
+      </p:sp>
+      <p:pic>
+        <p:nvPicPr>
+          <p:cNvPr id="24" name="Picture 23">
+            <a:extLst>
+              <a:ext uri="{FF2B5EF4-FFF2-40B4-BE49-F238E27FC236}">
+                <a16:creationId xmlns:a16="http://schemas.microsoft.com/office/drawing/2014/main" id="{5405F23C-C82E-4181-95EA-321F3D891A40}"/>
+              </a:ext>
+              <a:ext uri="{C183D7F6-B498-43B3-948B-1728B52AA6E4}">
+                <adec:decorative xmlns:adec="http://schemas.microsoft.com/office/drawing/2017/decorative" val="1"/>
+              </a:ext>
+            </a:extLst>
+          </p:cNvPr>
+          <p:cNvPicPr>
+            <a:picLocks noGrp="1" noRot="1" noChangeAspect="1" noMove="1" noResize="1" noEditPoints="1" noAdjustHandles="1" noChangeArrowheads="1" noChangeShapeType="1" noCrop="1"/>
+          </p:cNvPicPr>
+          <p:nvPr>
+            <p:extLst>
+              <p:ext uri="{386F3935-93C4-4BCD-93E2-E3B085C9AB24}">
+                <p16:designElem xmlns:p16="http://schemas.microsoft.com/office/powerpoint/2015/main" val="1"/>
+              </p:ext>
+            </p:extLst>
+          </p:nvPr>
+        </p:nvPicPr>
+        <p:blipFill rotWithShape="1">
+          <a:blip r:embed="rId3">
+            <a:extLst>
+              <a:ext uri="{28A0092B-C50C-407E-A947-70E740481C1C}">
+                <a14:useLocalDpi xmlns:a14="http://schemas.microsoft.com/office/drawing/2010/main" val="0"/>
+              </a:ext>
+            </a:extLst>
+          </a:blip>
+          <a:srcRect t="964" r="2807" b="1446"/>
+          <a:stretch/>
+        </p:blipFill>
+        <p:spPr>
+          <a:xfrm>
+            <a:off x="-10650" y="1"/>
+            <a:ext cx="4966697" cy="6858000"/>
+          </a:xfrm>
+          <a:prstGeom prst="rect">
+            <a:avLst/>
+          </a:prstGeom>
+        </p:spPr>
+      </p:pic>
+      <p:sp>
+        <p:nvSpPr>
+          <p:cNvPr id="19" name="Content Placeholder 2">
+            <a:extLst>
+              <a:ext uri="{FF2B5EF4-FFF2-40B4-BE49-F238E27FC236}">
+                <a16:creationId xmlns:a16="http://schemas.microsoft.com/office/drawing/2014/main" id="{2F558457-A4DE-48FF-BE2C-6332A4D57E3D}"/>
+              </a:ext>
+            </a:extLst>
+          </p:cNvPr>
+          <p:cNvSpPr>
+            <a:spLocks noGrp="1"/>
+          </p:cNvSpPr>
+          <p:nvPr>
+            <p:ph idx="1"/>
+          </p:nvPr>
+        </p:nvSpPr>
+        <p:spPr>
+          <a:xfrm>
+            <a:off x="5279472" y="1828801"/>
+            <a:ext cx="5844760" cy="3866048"/>
+          </a:xfrm>
+        </p:spPr>
+        <p:txBody>
+          <a:bodyPr anchor="ctr">
+            <a:normAutofit/>
+          </a:bodyPr>
+          <a:lstStyle/>
+          <a:p>
+            <a:pPr>
+              <a:buClr>
+                <a:srgbClr val="F3D712"/>
+              </a:buClr>
+            </a:pPr>
+            <a:r>
+              <a:rPr lang="en-GB" dirty="0"/>
+              <a:t>Sprint 1:</a:t>
+            </a:r>
+          </a:p>
+          <a:p>
+            <a:pPr lvl="1">
+              <a:buClr>
+                <a:srgbClr val="F3D712"/>
+              </a:buClr>
+            </a:pPr>
+            <a:r>
+              <a:rPr lang="en-GB" dirty="0"/>
+              <a:t>What went well:</a:t>
+            </a:r>
+          </a:p>
+          <a:p>
+            <a:pPr lvl="2">
+              <a:buClr>
+                <a:srgbClr val="F3D712"/>
+              </a:buClr>
+            </a:pPr>
+            <a:r>
+              <a:rPr lang="en-GB" dirty="0"/>
+              <a:t>Good prioritisation of tasks.</a:t>
+            </a:r>
+          </a:p>
+          <a:p>
+            <a:pPr lvl="1">
+              <a:buClr>
+                <a:srgbClr val="F3D712"/>
+              </a:buClr>
+            </a:pPr>
+            <a:r>
+              <a:rPr lang="en-GB" dirty="0"/>
+              <a:t>What went wrong:</a:t>
+            </a:r>
+          </a:p>
+          <a:p>
+            <a:pPr lvl="2">
+              <a:buClr>
+                <a:srgbClr val="F3D712"/>
+              </a:buClr>
+            </a:pPr>
+            <a:r>
+              <a:rPr lang="en-GB" dirty="0"/>
+              <a:t>Over-assigning of tasks.</a:t>
+            </a:r>
+          </a:p>
+          <a:p>
+            <a:pPr lvl="2">
+              <a:buClr>
+                <a:srgbClr val="F3D712"/>
+              </a:buClr>
+            </a:pPr>
+            <a:r>
+              <a:rPr lang="en-GB" dirty="0"/>
+              <a:t>Tasks were not completed.</a:t>
+            </a:r>
+          </a:p>
+          <a:p>
+            <a:pPr>
+              <a:buClr>
+                <a:srgbClr val="F3D712"/>
+              </a:buClr>
+            </a:pPr>
+            <a:r>
+              <a:rPr lang="en-GB" dirty="0"/>
+              <a:t>Sprint 2:</a:t>
+            </a:r>
+          </a:p>
+          <a:p>
+            <a:pPr lvl="1">
+              <a:buClr>
+                <a:srgbClr val="F3D712"/>
+              </a:buClr>
+            </a:pPr>
+            <a:r>
+              <a:rPr lang="en-GB" dirty="0"/>
+              <a:t>Improvements:</a:t>
+            </a:r>
+          </a:p>
+          <a:p>
+            <a:pPr lvl="2">
+              <a:buClr>
+                <a:srgbClr val="F3D712"/>
+              </a:buClr>
+            </a:pPr>
+            <a:r>
+              <a:rPr lang="en-GB" dirty="0"/>
+              <a:t>Correct assignment of workload.</a:t>
+            </a:r>
+          </a:p>
+        </p:txBody>
+      </p:sp>
+      <p:pic>
+        <p:nvPicPr>
+          <p:cNvPr id="7" name="Content Placeholder 7">
+            <a:extLst>
+              <a:ext uri="{FF2B5EF4-FFF2-40B4-BE49-F238E27FC236}">
+                <a16:creationId xmlns:a16="http://schemas.microsoft.com/office/drawing/2014/main" id="{A1C63F79-BF3A-4892-AEFA-CFE5593214C8}"/>
+              </a:ext>
+            </a:extLst>
+          </p:cNvPr>
+          <p:cNvPicPr>
+            <a:picLocks noChangeAspect="1"/>
+          </p:cNvPicPr>
+          <p:nvPr/>
+        </p:nvPicPr>
+        <p:blipFill rotWithShape="1">
+          <a:blip r:embed="rId4"/>
+          <a:srcRect r="49869"/>
+          <a:stretch/>
+        </p:blipFill>
+        <p:spPr>
+          <a:xfrm>
+            <a:off x="90626" y="1228340"/>
+            <a:ext cx="4764139" cy="2200660"/>
+          </a:xfrm>
+          <a:prstGeom prst="rect">
+            <a:avLst/>
+          </a:prstGeom>
+          <a:effectLst>
+            <a:outerShdw blurRad="25400" dir="17880000">
+              <a:srgbClr val="000000">
+                <a:alpha val="46000"/>
+              </a:srgbClr>
+            </a:outerShdw>
+          </a:effectLst>
+        </p:spPr>
+      </p:pic>
+      <p:pic>
+        <p:nvPicPr>
+          <p:cNvPr id="4" name="Picture 3">
+            <a:extLst>
+              <a:ext uri="{FF2B5EF4-FFF2-40B4-BE49-F238E27FC236}">
+                <a16:creationId xmlns:a16="http://schemas.microsoft.com/office/drawing/2014/main" id="{2671E6B1-6C3A-4051-B194-1E703A109362}"/>
+              </a:ext>
+            </a:extLst>
+          </p:cNvPr>
+          <p:cNvPicPr>
+            <a:picLocks noChangeAspect="1"/>
+          </p:cNvPicPr>
+          <p:nvPr/>
+        </p:nvPicPr>
+        <p:blipFill rotWithShape="1">
+          <a:blip r:embed="rId5"/>
+          <a:srcRect t="349" r="51652"/>
+          <a:stretch/>
+        </p:blipFill>
+        <p:spPr>
+          <a:xfrm>
+            <a:off x="90626" y="3827173"/>
+            <a:ext cx="4764139" cy="1366467"/>
+          </a:xfrm>
+          <a:prstGeom prst="rect">
+            <a:avLst/>
+          </a:prstGeom>
+        </p:spPr>
+      </p:pic>
+    </p:spTree>
+    <p:extLst>
+      <p:ext uri="{BB962C8B-B14F-4D97-AF65-F5344CB8AC3E}">
+        <p14:creationId xmlns:p14="http://schemas.microsoft.com/office/powerpoint/2010/main" val="4057119352"/>
+      </p:ext>
+    </p:extLst>
+  </p:cSld>
+  <p:clrMapOvr>
+    <a:masterClrMapping/>
+  </p:clrMapOvr>
+</p:sld>
+</file>
+
+<file path=ppt/slides/slide12.xml><?xml version="1.0" encoding="utf-8"?>
+<p:sld xmlns:a="http://schemas.openxmlformats.org/drawingml/2006/main" xmlns:r="http://schemas.openxmlformats.org/officeDocument/2006/relationships" xmlns:p="http://schemas.openxmlformats.org/presentationml/2006/main">
+  <p:cSld>
+    <p:spTree>
+      <p:nvGrpSpPr>
+        <p:cNvPr id="1" name=""/>
+        <p:cNvGrpSpPr/>
+        <p:nvPr/>
+      </p:nvGrpSpPr>
+      <p:grpSpPr>
+        <a:xfrm>
+          <a:off x="0" y="0"/>
+          <a:ext cx="0" cy="0"/>
+          <a:chOff x="0" y="0"/>
+          <a:chExt cx="0" cy="0"/>
+        </a:xfrm>
+      </p:grpSpPr>
+      <p:sp>
+        <p:nvSpPr>
+          <p:cNvPr id="2" name="Title 1">
+            <a:extLst>
+              <a:ext uri="{FF2B5EF4-FFF2-40B4-BE49-F238E27FC236}">
                 <a16:creationId xmlns:a16="http://schemas.microsoft.com/office/drawing/2014/main" id="{653C46DD-B7A4-4E23-B619-A334BF559589}"/>
               </a:ext>
             </a:extLst>
@@ -6176,7 +6591,7 @@
 </p:sld>
 </file>
 
-<file path=ppt/slides/slide11.xml><?xml version="1.0" encoding="utf-8"?>
+<file path=ppt/slides/slide13.xml><?xml version="1.0" encoding="utf-8"?>
 <p:sld xmlns:a="http://schemas.openxmlformats.org/drawingml/2006/main" xmlns:r="http://schemas.openxmlformats.org/officeDocument/2006/relationships" xmlns:p="http://schemas.openxmlformats.org/presentationml/2006/main">
   <p:cSld>
     <p:spTree>
@@ -6565,6 +6980,93 @@
           <p:cNvPr id="2" name="Title 1">
             <a:extLst>
               <a:ext uri="{FF2B5EF4-FFF2-40B4-BE49-F238E27FC236}">
+                <a16:creationId xmlns:a16="http://schemas.microsoft.com/office/drawing/2014/main" id="{2354A5EB-5692-4E35-A34C-E3D711E780D7}"/>
+              </a:ext>
+            </a:extLst>
+          </p:cNvPr>
+          <p:cNvSpPr>
+            <a:spLocks noGrp="1"/>
+          </p:cNvSpPr>
+          <p:nvPr>
+            <p:ph type="title"/>
+          </p:nvPr>
+        </p:nvSpPr>
+        <p:spPr/>
+        <p:txBody>
+          <a:bodyPr/>
+          <a:lstStyle/>
+          <a:p>
+            <a:r>
+              <a:rPr lang="en-GB" dirty="0"/>
+              <a:t>Example Epic</a:t>
+            </a:r>
+          </a:p>
+        </p:txBody>
+      </p:sp>
+      <p:pic>
+        <p:nvPicPr>
+          <p:cNvPr id="5" name="Content Placeholder 4">
+            <a:extLst>
+              <a:ext uri="{FF2B5EF4-FFF2-40B4-BE49-F238E27FC236}">
+                <a16:creationId xmlns:a16="http://schemas.microsoft.com/office/drawing/2014/main" id="{EEC0F7FE-EECB-4B2E-A265-DB923E311B50}"/>
+              </a:ext>
+            </a:extLst>
+          </p:cNvPr>
+          <p:cNvPicPr>
+            <a:picLocks noGrp="1" noChangeAspect="1"/>
+          </p:cNvPicPr>
+          <p:nvPr>
+            <p:ph idx="1"/>
+          </p:nvPr>
+        </p:nvPicPr>
+        <p:blipFill>
+          <a:blip r:embed="rId2"/>
+          <a:stretch>
+            <a:fillRect/>
+          </a:stretch>
+        </p:blipFill>
+        <p:spPr>
+          <a:xfrm>
+            <a:off x="2357437" y="2666206"/>
+            <a:ext cx="7467600" cy="2190750"/>
+          </a:xfrm>
+        </p:spPr>
+      </p:pic>
+    </p:spTree>
+    <p:extLst>
+      <p:ext uri="{BB962C8B-B14F-4D97-AF65-F5344CB8AC3E}">
+        <p14:creationId xmlns:p14="http://schemas.microsoft.com/office/powerpoint/2010/main" val="682604867"/>
+      </p:ext>
+    </p:extLst>
+  </p:cSld>
+  <p:clrMapOvr>
+    <a:masterClrMapping/>
+  </p:clrMapOvr>
+</p:sld>
+</file>
+
+<file path=ppt/slides/slide4.xml><?xml version="1.0" encoding="utf-8"?>
+<p:sld xmlns:a="http://schemas.openxmlformats.org/drawingml/2006/main" xmlns:r="http://schemas.openxmlformats.org/officeDocument/2006/relationships" xmlns:p="http://schemas.openxmlformats.org/presentationml/2006/main">
+  <p:cSld>
+    <p:spTree>
+      <p:nvGrpSpPr>
+        <p:cNvPr id="1" name=""/>
+        <p:cNvGrpSpPr/>
+        <p:nvPr/>
+      </p:nvGrpSpPr>
+      <p:grpSpPr>
+        <a:xfrm>
+          <a:off x="0" y="0"/>
+          <a:ext cx="0" cy="0"/>
+          <a:chOff x="0" y="0"/>
+          <a:chExt cx="0" cy="0"/>
+        </a:xfrm>
+      </p:grpSpPr>
+      <p:sp>
+        <p:nvSpPr>
+          <p:cNvPr id="2" name="Title 1">
+            <a:extLst>
+              <a:ext uri="{FF2B5EF4-FFF2-40B4-BE49-F238E27FC236}">
                 <a16:creationId xmlns:a16="http://schemas.microsoft.com/office/drawing/2014/main" id="{86763D70-9278-46B3-8DC9-9FEB3D67C8DD}"/>
               </a:ext>
             </a:extLst>
@@ -6588,31 +7090,36 @@
           </a:p>
         </p:txBody>
       </p:sp>
-      <p:sp>
-        <p:nvSpPr>
-          <p:cNvPr id="3" name="Content Placeholder 2">
+      <p:pic>
+        <p:nvPicPr>
+          <p:cNvPr id="7" name="Picture 6">
             <a:extLst>
               <a:ext uri="{FF2B5EF4-FFF2-40B4-BE49-F238E27FC236}">
-                <a16:creationId xmlns:a16="http://schemas.microsoft.com/office/drawing/2014/main" id="{7AF5A81C-79A0-4B64-9159-6C510A7EF41D}"/>
+                <a16:creationId xmlns:a16="http://schemas.microsoft.com/office/drawing/2014/main" id="{4B4CF037-5D27-4DCB-BEB8-D0C1D6F0F69B}"/>
               </a:ext>
             </a:extLst>
           </p:cNvPr>
-          <p:cNvSpPr>
-            <a:spLocks noGrp="1"/>
-          </p:cNvSpPr>
-          <p:nvPr>
-            <p:ph idx="1"/>
-          </p:nvPr>
-        </p:nvSpPr>
-        <p:spPr/>
-        <p:txBody>
-          <a:bodyPr/>
-          <a:lstStyle/>
-          <a:p>
-            <a:endParaRPr lang="en-GB" dirty="0"/>
-          </a:p>
-        </p:txBody>
-      </p:sp>
+          <p:cNvPicPr>
+            <a:picLocks noChangeAspect="1"/>
+          </p:cNvPicPr>
+          <p:nvPr/>
+        </p:nvPicPr>
+        <p:blipFill>
+          <a:blip r:embed="rId2"/>
+          <a:stretch>
+            <a:fillRect/>
+          </a:stretch>
+        </p:blipFill>
+        <p:spPr>
+          <a:xfrm>
+            <a:off x="1652449" y="2438399"/>
+            <a:ext cx="8887102" cy="1981202"/>
+          </a:xfrm>
+          <a:prstGeom prst="rect">
+            <a:avLst/>
+          </a:prstGeom>
+        </p:spPr>
+      </p:pic>
     </p:spTree>
     <p:extLst>
       <p:ext uri="{BB962C8B-B14F-4D97-AF65-F5344CB8AC3E}">
@@ -6626,7 +7133,7 @@
 </p:sld>
 </file>
 
-<file path=ppt/slides/slide4.xml><?xml version="1.0" encoding="utf-8"?>
+<file path=ppt/slides/slide5.xml><?xml version="1.0" encoding="utf-8"?>
 <p:sld xmlns:a="http://schemas.openxmlformats.org/drawingml/2006/main" xmlns:r="http://schemas.openxmlformats.org/officeDocument/2006/relationships" xmlns:p="http://schemas.openxmlformats.org/presentationml/2006/main">
   <p:cSld>
     <p:bg>
@@ -6981,9 +7488,28 @@
 </p:sld>
 </file>
 
-<file path=ppt/slides/slide5.xml><?xml version="1.0" encoding="utf-8"?>
+<file path=ppt/slides/slide6.xml><?xml version="1.0" encoding="utf-8"?>
 <p:sld xmlns:a="http://schemas.openxmlformats.org/drawingml/2006/main" xmlns:r="http://schemas.openxmlformats.org/officeDocument/2006/relationships" xmlns:p="http://schemas.openxmlformats.org/presentationml/2006/main">
   <p:cSld>
+    <p:bg>
+      <p:bgPr>
+        <a:blipFill rotWithShape="1">
+          <a:blip r:embed="rId2">
+            <a:duotone>
+              <a:schemeClr val="bg2">
+                <a:shade val="80000"/>
+                <a:lumMod val="80000"/>
+              </a:schemeClr>
+              <a:schemeClr val="bg2">
+                <a:tint val="98000"/>
+              </a:schemeClr>
+            </a:duotone>
+          </a:blip>
+          <a:stretch/>
+        </a:blipFill>
+        <a:effectLst/>
+      </p:bgPr>
+    </p:bg>
     <p:spTree>
       <p:nvGrpSpPr>
         <p:cNvPr id="1" name=""/>
@@ -7003,7 +7529,7 @@
           <p:cNvPr id="2" name="Title 1">
             <a:extLst>
               <a:ext uri="{FF2B5EF4-FFF2-40B4-BE49-F238E27FC236}">
-                <a16:creationId xmlns:a16="http://schemas.microsoft.com/office/drawing/2014/main" id="{C31FB168-0374-4C1A-A0D3-0A6E5435C830}"/>
+                <a16:creationId xmlns:a16="http://schemas.microsoft.com/office/drawing/2014/main" id="{749BD0D8-2858-471A-9476-F5F76CB9231F}"/>
               </a:ext>
             </a:extLst>
           </p:cNvPr>
@@ -7014,9 +7540,16 @@
             <p:ph type="title"/>
           </p:nvPr>
         </p:nvSpPr>
-        <p:spPr/>
-        <p:txBody>
-          <a:bodyPr/>
+        <p:spPr>
+          <a:xfrm>
+            <a:off x="4957011" y="609600"/>
+            <a:ext cx="6310546" cy="1402080"/>
+          </a:xfrm>
+        </p:spPr>
+        <p:txBody>
+          <a:bodyPr>
+            <a:normAutofit/>
+          </a:bodyPr>
           <a:lstStyle/>
           <a:p>
             <a:r>
@@ -7026,12 +7559,56 @@
           </a:p>
         </p:txBody>
       </p:sp>
+      <p:pic>
+        <p:nvPicPr>
+          <p:cNvPr id="16" name="Picture 15">
+            <a:extLst>
+              <a:ext uri="{FF2B5EF4-FFF2-40B4-BE49-F238E27FC236}">
+                <a16:creationId xmlns:a16="http://schemas.microsoft.com/office/drawing/2014/main" id="{3571A55B-8C56-492F-B317-105830ECF92B}"/>
+              </a:ext>
+              <a:ext uri="{C183D7F6-B498-43B3-948B-1728B52AA6E4}">
+                <adec:decorative xmlns:adec="http://schemas.microsoft.com/office/drawing/2017/decorative" val="1"/>
+              </a:ext>
+            </a:extLst>
+          </p:cNvPr>
+          <p:cNvPicPr>
+            <a:picLocks noGrp="1" noRot="1" noChangeAspect="1" noMove="1" noResize="1" noEditPoints="1" noAdjustHandles="1" noChangeArrowheads="1" noChangeShapeType="1" noCrop="1"/>
+          </p:cNvPicPr>
+          <p:nvPr>
+            <p:extLst>
+              <p:ext uri="{386F3935-93C4-4BCD-93E2-E3B085C9AB24}">
+                <p16:designElem xmlns:p16="http://schemas.microsoft.com/office/powerpoint/2015/main" val="1"/>
+              </p:ext>
+            </p:extLst>
+          </p:nvPr>
+        </p:nvPicPr>
+        <p:blipFill rotWithShape="1">
+          <a:blip r:embed="rId3">
+            <a:extLst>
+              <a:ext uri="{28A0092B-C50C-407E-A947-70E740481C1C}">
+                <a14:useLocalDpi xmlns:a14="http://schemas.microsoft.com/office/drawing/2010/main" val="0"/>
+              </a:ext>
+            </a:extLst>
+          </a:blip>
+          <a:srcRect t="964" r="2807" b="1446"/>
+          <a:stretch/>
+        </p:blipFill>
+        <p:spPr>
+          <a:xfrm>
+            <a:off x="0" y="1"/>
+            <a:ext cx="4690532" cy="6858000"/>
+          </a:xfrm>
+          <a:prstGeom prst="rect">
+            <a:avLst/>
+          </a:prstGeom>
+        </p:spPr>
+      </p:pic>
       <p:sp>
         <p:nvSpPr>
           <p:cNvPr id="3" name="Content Placeholder 2">
             <a:extLst>
               <a:ext uri="{FF2B5EF4-FFF2-40B4-BE49-F238E27FC236}">
-                <a16:creationId xmlns:a16="http://schemas.microsoft.com/office/drawing/2014/main" id="{A94E78FF-5D25-4CA5-ABBB-E3D8766E0CDF}"/>
+                <a16:creationId xmlns:a16="http://schemas.microsoft.com/office/drawing/2014/main" id="{8FEAD203-EFCB-4E73-9D27-2A04DF897C98}"/>
               </a:ext>
             </a:extLst>
           </p:cNvPr>
@@ -7042,102 +7619,138 @@
             <p:ph idx="1"/>
           </p:nvPr>
         </p:nvSpPr>
-        <p:spPr/>
-        <p:txBody>
-          <a:bodyPr/>
-          <a:lstStyle/>
-          <a:p>
-            <a:endParaRPr lang="en-GB" dirty="0"/>
-          </a:p>
-        </p:txBody>
-      </p:sp>
+        <p:spPr>
+          <a:xfrm>
+            <a:off x="4957011" y="2159164"/>
+            <a:ext cx="6310546" cy="3632035"/>
+          </a:xfrm>
+        </p:spPr>
+        <p:txBody>
+          <a:bodyPr>
+            <a:normAutofit/>
+          </a:bodyPr>
+          <a:lstStyle/>
+          <a:p>
+            <a:pPr>
+              <a:buClr>
+                <a:srgbClr val="F3A631"/>
+              </a:buClr>
+            </a:pPr>
+            <a:r>
+              <a:rPr lang="en-GB" dirty="0"/>
+              <a:t>Simple branching structure:</a:t>
+            </a:r>
+          </a:p>
+          <a:p>
+            <a:pPr lvl="1">
+              <a:buClr>
+                <a:srgbClr val="F3A631"/>
+              </a:buClr>
+            </a:pPr>
+            <a:r>
+              <a:rPr lang="en-GB" dirty="0"/>
+              <a:t>Master -&gt; Dev</a:t>
+            </a:r>
+          </a:p>
+          <a:p>
+            <a:pPr lvl="1">
+              <a:buClr>
+                <a:srgbClr val="F3A631"/>
+              </a:buClr>
+            </a:pPr>
+            <a:r>
+              <a:rPr lang="en-GB" dirty="0"/>
+              <a:t>Dev -&gt; feature-&lt;concept&gt;</a:t>
+            </a:r>
+          </a:p>
+          <a:p>
+            <a:pPr lvl="1">
+              <a:buClr>
+                <a:srgbClr val="F3A631"/>
+              </a:buClr>
+            </a:pPr>
+            <a:r>
+              <a:rPr lang="en-GB" dirty="0"/>
+              <a:t>Feature-concept -&gt; issue-fix</a:t>
+            </a:r>
+          </a:p>
+          <a:p>
+            <a:pPr>
+              <a:buClr>
+                <a:srgbClr val="F3A631"/>
+              </a:buClr>
+            </a:pPr>
+            <a:r>
+              <a:rPr lang="en-GB" dirty="0"/>
+              <a:t>Stale branches were deleted after bug fixes.</a:t>
+            </a:r>
+          </a:p>
+        </p:txBody>
+      </p:sp>
+      <p:pic>
+        <p:nvPicPr>
+          <p:cNvPr id="8" name="Picture 7">
+            <a:extLst>
+              <a:ext uri="{FF2B5EF4-FFF2-40B4-BE49-F238E27FC236}">
+                <a16:creationId xmlns:a16="http://schemas.microsoft.com/office/drawing/2014/main" id="{6F1C2372-BDC7-4216-8C54-88898D17AE81}"/>
+              </a:ext>
+            </a:extLst>
+          </p:cNvPr>
+          <p:cNvPicPr>
+            <a:picLocks noChangeAspect="1"/>
+          </p:cNvPicPr>
+          <p:nvPr/>
+        </p:nvPicPr>
+        <p:blipFill>
+          <a:blip r:embed="rId4"/>
+          <a:stretch>
+            <a:fillRect/>
+          </a:stretch>
+        </p:blipFill>
+        <p:spPr>
+          <a:xfrm>
+            <a:off x="350153" y="609600"/>
+            <a:ext cx="3990222" cy="2031533"/>
+          </a:xfrm>
+          <a:prstGeom prst="rect">
+            <a:avLst/>
+          </a:prstGeom>
+        </p:spPr>
+      </p:pic>
+      <p:pic>
+        <p:nvPicPr>
+          <p:cNvPr id="12" name="Picture 11">
+            <a:extLst>
+              <a:ext uri="{FF2B5EF4-FFF2-40B4-BE49-F238E27FC236}">
+                <a16:creationId xmlns:a16="http://schemas.microsoft.com/office/drawing/2014/main" id="{513E8E4D-3C73-4E91-814E-70DC61291ED9}"/>
+              </a:ext>
+            </a:extLst>
+          </p:cNvPr>
+          <p:cNvPicPr>
+            <a:picLocks noChangeAspect="1"/>
+          </p:cNvPicPr>
+          <p:nvPr/>
+        </p:nvPicPr>
+        <p:blipFill>
+          <a:blip r:embed="rId5"/>
+          <a:stretch>
+            <a:fillRect/>
+          </a:stretch>
+        </p:blipFill>
+        <p:spPr>
+          <a:xfrm>
+            <a:off x="350153" y="3302705"/>
+            <a:ext cx="3990221" cy="2850158"/>
+          </a:xfrm>
+          <a:prstGeom prst="rect">
+            <a:avLst/>
+          </a:prstGeom>
+        </p:spPr>
+      </p:pic>
     </p:spTree>
     <p:extLst>
       <p:ext uri="{BB962C8B-B14F-4D97-AF65-F5344CB8AC3E}">
-        <p14:creationId xmlns:p14="http://schemas.microsoft.com/office/powerpoint/2010/main" val="1693288499"/>
-      </p:ext>
-    </p:extLst>
-  </p:cSld>
-  <p:clrMapOvr>
-    <a:masterClrMapping/>
-  </p:clrMapOvr>
-</p:sld>
-</file>
-
-<file path=ppt/slides/slide6.xml><?xml version="1.0" encoding="utf-8"?>
-<p:sld xmlns:a="http://schemas.openxmlformats.org/drawingml/2006/main" xmlns:r="http://schemas.openxmlformats.org/officeDocument/2006/relationships" xmlns:p="http://schemas.openxmlformats.org/presentationml/2006/main">
-  <p:cSld>
-    <p:spTree>
-      <p:nvGrpSpPr>
-        <p:cNvPr id="1" name=""/>
-        <p:cNvGrpSpPr/>
-        <p:nvPr/>
-      </p:nvGrpSpPr>
-      <p:grpSpPr>
-        <a:xfrm>
-          <a:off x="0" y="0"/>
-          <a:ext cx="0" cy="0"/>
-          <a:chOff x="0" y="0"/>
-          <a:chExt cx="0" cy="0"/>
-        </a:xfrm>
-      </p:grpSpPr>
-      <p:sp>
-        <p:nvSpPr>
-          <p:cNvPr id="2" name="Title 1">
-            <a:extLst>
-              <a:ext uri="{FF2B5EF4-FFF2-40B4-BE49-F238E27FC236}">
-                <a16:creationId xmlns:a16="http://schemas.microsoft.com/office/drawing/2014/main" id="{EB1DAA3F-F3E3-4579-AB37-4E4A90446E0B}"/>
-              </a:ext>
-            </a:extLst>
-          </p:cNvPr>
-          <p:cNvSpPr>
-            <a:spLocks noGrp="1"/>
-          </p:cNvSpPr>
-          <p:nvPr>
-            <p:ph type="title"/>
-          </p:nvPr>
-        </p:nvSpPr>
-        <p:spPr/>
-        <p:txBody>
-          <a:bodyPr/>
-          <a:lstStyle/>
-          <a:p>
-            <a:r>
-              <a:rPr lang="en-GB" dirty="0"/>
-              <a:t>Testing</a:t>
-            </a:r>
-          </a:p>
-        </p:txBody>
-      </p:sp>
-      <p:sp>
-        <p:nvSpPr>
-          <p:cNvPr id="3" name="Content Placeholder 2">
-            <a:extLst>
-              <a:ext uri="{FF2B5EF4-FFF2-40B4-BE49-F238E27FC236}">
-                <a16:creationId xmlns:a16="http://schemas.microsoft.com/office/drawing/2014/main" id="{CB0EB3DB-A2C2-4F2D-B78E-E1B08CEEB2DE}"/>
-              </a:ext>
-            </a:extLst>
-          </p:cNvPr>
-          <p:cNvSpPr>
-            <a:spLocks noGrp="1"/>
-          </p:cNvSpPr>
-          <p:nvPr>
-            <p:ph idx="1"/>
-          </p:nvPr>
-        </p:nvSpPr>
-        <p:spPr/>
-        <p:txBody>
-          <a:bodyPr/>
-          <a:lstStyle/>
-          <a:p>
-            <a:endParaRPr lang="en-GB"/>
-          </a:p>
-        </p:txBody>
-      </p:sp>
-    </p:spTree>
-    <p:extLst>
-      <p:ext uri="{BB962C8B-B14F-4D97-AF65-F5344CB8AC3E}">
-        <p14:creationId xmlns:p14="http://schemas.microsoft.com/office/powerpoint/2010/main" val="85492191"/>
+        <p14:creationId xmlns:p14="http://schemas.microsoft.com/office/powerpoint/2010/main" val="1485602710"/>
       </p:ext>
     </p:extLst>
   </p:cSld>
@@ -7169,7 +7782,7 @@
           <p:cNvPr id="2" name="Title 1">
             <a:extLst>
               <a:ext uri="{FF2B5EF4-FFF2-40B4-BE49-F238E27FC236}">
-                <a16:creationId xmlns:a16="http://schemas.microsoft.com/office/drawing/2014/main" id="{3DC5284E-C6A8-461F-B5DD-E1B2888ADEA9}"/>
+                <a16:creationId xmlns:a16="http://schemas.microsoft.com/office/drawing/2014/main" id="{EB1DAA3F-F3E3-4579-AB37-4E4A90446E0B}"/>
               </a:ext>
             </a:extLst>
           </p:cNvPr>
@@ -7177,7 +7790,7 @@
             <a:spLocks noGrp="1"/>
           </p:cNvSpPr>
           <p:nvPr>
-            <p:ph type="ctrTitle"/>
+            <p:ph type="title"/>
           </p:nvPr>
         </p:nvSpPr>
         <p:spPr/>
@@ -7186,42 +7799,46 @@
           <a:lstStyle/>
           <a:p>
             <a:r>
-              <a:rPr lang="en-GB" dirty="0" err="1"/>
-              <a:t>Demonstation</a:t>
-            </a:r>
-            <a:endParaRPr lang="en-GB" dirty="0"/>
-          </a:p>
-        </p:txBody>
-      </p:sp>
-      <p:sp>
-        <p:nvSpPr>
-          <p:cNvPr id="4" name="Subtitle 3">
+              <a:rPr lang="en-GB" dirty="0"/>
+              <a:t>Testing (Backend)</a:t>
+            </a:r>
+          </a:p>
+        </p:txBody>
+      </p:sp>
+      <p:pic>
+        <p:nvPicPr>
+          <p:cNvPr id="5" name="Picture 4">
             <a:extLst>
               <a:ext uri="{FF2B5EF4-FFF2-40B4-BE49-F238E27FC236}">
-                <a16:creationId xmlns:a16="http://schemas.microsoft.com/office/drawing/2014/main" id="{041398F6-C68C-4FF0-96CD-32D9BCB5F458}"/>
+                <a16:creationId xmlns:a16="http://schemas.microsoft.com/office/drawing/2014/main" id="{462F751C-4923-4671-A234-98835722C9BD}"/>
               </a:ext>
             </a:extLst>
           </p:cNvPr>
-          <p:cNvSpPr>
-            <a:spLocks noGrp="1"/>
-          </p:cNvSpPr>
-          <p:nvPr>
-            <p:ph type="subTitle" idx="1"/>
-          </p:nvPr>
-        </p:nvSpPr>
-        <p:spPr/>
-        <p:txBody>
-          <a:bodyPr/>
-          <a:lstStyle/>
-          <a:p>
-            <a:endParaRPr lang="en-GB"/>
-          </a:p>
-        </p:txBody>
-      </p:sp>
+          <p:cNvPicPr>
+            <a:picLocks noChangeAspect="1"/>
+          </p:cNvPicPr>
+          <p:nvPr/>
+        </p:nvPicPr>
+        <p:blipFill>
+          <a:blip r:embed="rId2"/>
+          <a:stretch>
+            <a:fillRect/>
+          </a:stretch>
+        </p:blipFill>
+        <p:spPr>
+          <a:xfrm>
+            <a:off x="2505075" y="2471737"/>
+            <a:ext cx="7181850" cy="1914525"/>
+          </a:xfrm>
+          <a:prstGeom prst="rect">
+            <a:avLst/>
+          </a:prstGeom>
+        </p:spPr>
+      </p:pic>
     </p:spTree>
     <p:extLst>
       <p:ext uri="{BB962C8B-B14F-4D97-AF65-F5344CB8AC3E}">
-        <p14:creationId xmlns:p14="http://schemas.microsoft.com/office/powerpoint/2010/main" val="90791087"/>
+        <p14:creationId xmlns:p14="http://schemas.microsoft.com/office/powerpoint/2010/main" val="85492191"/>
       </p:ext>
     </p:extLst>
   </p:cSld>
@@ -7253,7 +7870,7 @@
           <p:cNvPr id="2" name="Title 1">
             <a:extLst>
               <a:ext uri="{FF2B5EF4-FFF2-40B4-BE49-F238E27FC236}">
-                <a16:creationId xmlns:a16="http://schemas.microsoft.com/office/drawing/2014/main" id="{9CB2D0AE-F467-4E9E-8A3C-1A489EE9AA4A}"/>
+                <a16:creationId xmlns:a16="http://schemas.microsoft.com/office/drawing/2014/main" id="{20B1CA43-81A5-4C62-93FF-0C82C34F9904}"/>
               </a:ext>
             </a:extLst>
           </p:cNvPr>
@@ -7271,40 +7888,74 @@
           <a:p>
             <a:r>
               <a:rPr lang="en-GB" dirty="0"/>
-              <a:t>Sprint Review</a:t>
-            </a:r>
-          </a:p>
-        </p:txBody>
-      </p:sp>
-      <p:sp>
-        <p:nvSpPr>
-          <p:cNvPr id="3" name="Content Placeholder 2">
+              <a:t>Testing (Frontend)</a:t>
+            </a:r>
+          </a:p>
+        </p:txBody>
+      </p:sp>
+      <p:pic>
+        <p:nvPicPr>
+          <p:cNvPr id="5" name="Content Placeholder 4">
             <a:extLst>
               <a:ext uri="{FF2B5EF4-FFF2-40B4-BE49-F238E27FC236}">
-                <a16:creationId xmlns:a16="http://schemas.microsoft.com/office/drawing/2014/main" id="{48E0567B-912D-44E2-A57C-A16308061D70}"/>
+                <a16:creationId xmlns:a16="http://schemas.microsoft.com/office/drawing/2014/main" id="{2AAA90C7-4CA3-4AF8-BC8D-F921CEA9C02B}"/>
               </a:ext>
             </a:extLst>
           </p:cNvPr>
-          <p:cNvSpPr>
-            <a:spLocks noGrp="1"/>
-          </p:cNvSpPr>
+          <p:cNvPicPr>
+            <a:picLocks noGrp="1" noChangeAspect="1"/>
+          </p:cNvPicPr>
           <p:nvPr>
             <p:ph idx="1"/>
           </p:nvPr>
-        </p:nvSpPr>
-        <p:spPr/>
-        <p:txBody>
-          <a:bodyPr/>
-          <a:lstStyle/>
-          <a:p>
-            <a:endParaRPr lang="en-GB" dirty="0"/>
-          </a:p>
-        </p:txBody>
-      </p:sp>
+        </p:nvPicPr>
+        <p:blipFill>
+          <a:blip r:embed="rId2"/>
+          <a:stretch>
+            <a:fillRect/>
+          </a:stretch>
+        </p:blipFill>
+        <p:spPr>
+          <a:xfrm>
+            <a:off x="913795" y="1731963"/>
+            <a:ext cx="4613162" cy="4059237"/>
+          </a:xfrm>
+        </p:spPr>
+      </p:pic>
+      <p:pic>
+        <p:nvPicPr>
+          <p:cNvPr id="7" name="Picture 6">
+            <a:extLst>
+              <a:ext uri="{FF2B5EF4-FFF2-40B4-BE49-F238E27FC236}">
+                <a16:creationId xmlns:a16="http://schemas.microsoft.com/office/drawing/2014/main" id="{B8D2D775-0E6F-44B5-B791-9EF780BD386F}"/>
+              </a:ext>
+            </a:extLst>
+          </p:cNvPr>
+          <p:cNvPicPr>
+            <a:picLocks noChangeAspect="1"/>
+          </p:cNvPicPr>
+          <p:nvPr/>
+        </p:nvPicPr>
+        <p:blipFill>
+          <a:blip r:embed="rId3"/>
+          <a:stretch>
+            <a:fillRect/>
+          </a:stretch>
+        </p:blipFill>
+        <p:spPr>
+          <a:xfrm>
+            <a:off x="6665045" y="1731963"/>
+            <a:ext cx="4615535" cy="4059237"/>
+          </a:xfrm>
+          <a:prstGeom prst="rect">
+            <a:avLst/>
+          </a:prstGeom>
+        </p:spPr>
+      </p:pic>
     </p:spTree>
     <p:extLst>
       <p:ext uri="{BB962C8B-B14F-4D97-AF65-F5344CB8AC3E}">
-        <p14:creationId xmlns:p14="http://schemas.microsoft.com/office/powerpoint/2010/main" val="3133325820"/>
+        <p14:creationId xmlns:p14="http://schemas.microsoft.com/office/powerpoint/2010/main" val="142325025"/>
       </p:ext>
     </p:extLst>
   </p:cSld>
@@ -7336,7 +7987,7 @@
           <p:cNvPr id="2" name="Title 1">
             <a:extLst>
               <a:ext uri="{FF2B5EF4-FFF2-40B4-BE49-F238E27FC236}">
-                <a16:creationId xmlns:a16="http://schemas.microsoft.com/office/drawing/2014/main" id="{90B73B8B-DD17-4541-87D2-FDA50EEEE9A0}"/>
+                <a16:creationId xmlns:a16="http://schemas.microsoft.com/office/drawing/2014/main" id="{3DC5284E-C6A8-461F-B5DD-E1B2888ADEA9}"/>
               </a:ext>
             </a:extLst>
           </p:cNvPr>
@@ -7344,7 +7995,7 @@
             <a:spLocks noGrp="1"/>
           </p:cNvSpPr>
           <p:nvPr>
-            <p:ph type="title"/>
+            <p:ph type="ctrTitle"/>
           </p:nvPr>
         </p:nvSpPr>
         <p:spPr/>
@@ -7353,18 +8004,19 @@
           <a:lstStyle/>
           <a:p>
             <a:r>
-              <a:rPr lang="en-GB" dirty="0"/>
-              <a:t>Sprint Retrospective</a:t>
-            </a:r>
-          </a:p>
-        </p:txBody>
-      </p:sp>
-      <p:sp>
-        <p:nvSpPr>
-          <p:cNvPr id="3" name="Content Placeholder 2">
+              <a:rPr lang="en-GB" dirty="0" err="1"/>
+              <a:t>Demonstation</a:t>
+            </a:r>
+            <a:endParaRPr lang="en-GB" dirty="0"/>
+          </a:p>
+        </p:txBody>
+      </p:sp>
+      <p:sp>
+        <p:nvSpPr>
+          <p:cNvPr id="4" name="Subtitle 3">
             <a:extLst>
               <a:ext uri="{FF2B5EF4-FFF2-40B4-BE49-F238E27FC236}">
-                <a16:creationId xmlns:a16="http://schemas.microsoft.com/office/drawing/2014/main" id="{7CA135D5-45F9-4CB5-96DC-DF1EAB659C7A}"/>
+                <a16:creationId xmlns:a16="http://schemas.microsoft.com/office/drawing/2014/main" id="{041398F6-C68C-4FF0-96CD-32D9BCB5F458}"/>
               </a:ext>
             </a:extLst>
           </p:cNvPr>
@@ -7372,7 +8024,7 @@
             <a:spLocks noGrp="1"/>
           </p:cNvSpPr>
           <p:nvPr>
-            <p:ph idx="1"/>
+            <p:ph type="subTitle" idx="1"/>
           </p:nvPr>
         </p:nvSpPr>
         <p:spPr/>
@@ -7387,7 +8039,7 @@
     </p:spTree>
     <p:extLst>
       <p:ext uri="{BB962C8B-B14F-4D97-AF65-F5344CB8AC3E}">
-        <p14:creationId xmlns:p14="http://schemas.microsoft.com/office/powerpoint/2010/main" val="3794855382"/>
+        <p14:creationId xmlns:p14="http://schemas.microsoft.com/office/powerpoint/2010/main" val="90791087"/>
       </p:ext>
     </p:extLst>
   </p:cSld>

--- a/docs/tdla.pptx
+++ b/docs/tdla.pptx
@@ -6,18 +6,20 @@
   </p:sldMasterIdLst>
   <p:sldIdLst>
     <p:sldId id="256" r:id="rId2"/>
-    <p:sldId id="257" r:id="rId3"/>
-    <p:sldId id="269" r:id="rId4"/>
-    <p:sldId id="259" r:id="rId5"/>
-    <p:sldId id="258" r:id="rId6"/>
-    <p:sldId id="267" r:id="rId7"/>
-    <p:sldId id="261" r:id="rId8"/>
-    <p:sldId id="268" r:id="rId9"/>
-    <p:sldId id="262" r:id="rId10"/>
-    <p:sldId id="263" r:id="rId11"/>
-    <p:sldId id="270" r:id="rId12"/>
-    <p:sldId id="265" r:id="rId13"/>
-    <p:sldId id="266" r:id="rId14"/>
+    <p:sldId id="273" r:id="rId3"/>
+    <p:sldId id="258" r:id="rId4"/>
+    <p:sldId id="257" r:id="rId5"/>
+    <p:sldId id="269" r:id="rId6"/>
+    <p:sldId id="259" r:id="rId7"/>
+    <p:sldId id="267" r:id="rId8"/>
+    <p:sldId id="261" r:id="rId9"/>
+    <p:sldId id="268" r:id="rId10"/>
+    <p:sldId id="271" r:id="rId11"/>
+    <p:sldId id="262" r:id="rId12"/>
+    <p:sldId id="263" r:id="rId13"/>
+    <p:sldId id="270" r:id="rId14"/>
+    <p:sldId id="272" r:id="rId15"/>
+    <p:sldId id="266" r:id="rId16"/>
   </p:sldIdLst>
   <p:sldSz cx="12192000" cy="6858000"/>
   <p:notesSz cx="6858000" cy="9144000"/>
@@ -6122,6 +6124,152 @@
           <p:cNvPr id="2" name="Title 1">
             <a:extLst>
               <a:ext uri="{FF2B5EF4-FFF2-40B4-BE49-F238E27FC236}">
+                <a16:creationId xmlns:a16="http://schemas.microsoft.com/office/drawing/2014/main" id="{99ACC799-1A5B-404F-A221-2B5CC8C4F733}"/>
+              </a:ext>
+            </a:extLst>
+          </p:cNvPr>
+          <p:cNvSpPr>
+            <a:spLocks noGrp="1"/>
+          </p:cNvSpPr>
+          <p:nvPr>
+            <p:ph type="title"/>
+          </p:nvPr>
+        </p:nvSpPr>
+        <p:spPr/>
+        <p:txBody>
+          <a:bodyPr/>
+          <a:lstStyle/>
+          <a:p>
+            <a:r>
+              <a:rPr lang="en-GB" dirty="0"/>
+              <a:t>Static Analysis</a:t>
+            </a:r>
+          </a:p>
+        </p:txBody>
+      </p:sp>
+      <p:pic>
+        <p:nvPicPr>
+          <p:cNvPr id="5" name="Content Placeholder 4">
+            <a:extLst>
+              <a:ext uri="{FF2B5EF4-FFF2-40B4-BE49-F238E27FC236}">
+                <a16:creationId xmlns:a16="http://schemas.microsoft.com/office/drawing/2014/main" id="{BD8AD39E-6753-455B-9B12-7B690A34700B}"/>
+              </a:ext>
+            </a:extLst>
+          </p:cNvPr>
+          <p:cNvPicPr>
+            <a:picLocks noGrp="1" noChangeAspect="1"/>
+          </p:cNvPicPr>
+          <p:nvPr>
+            <p:ph idx="1"/>
+          </p:nvPr>
+        </p:nvPicPr>
+        <p:blipFill>
+          <a:blip r:embed="rId2"/>
+          <a:stretch>
+            <a:fillRect/>
+          </a:stretch>
+        </p:blipFill>
+        <p:spPr>
+          <a:xfrm>
+            <a:off x="3017434" y="1731963"/>
+            <a:ext cx="6147607" cy="4059237"/>
+          </a:xfrm>
+        </p:spPr>
+      </p:pic>
+    </p:spTree>
+    <p:extLst>
+      <p:ext uri="{BB962C8B-B14F-4D97-AF65-F5344CB8AC3E}">
+        <p14:creationId xmlns:p14="http://schemas.microsoft.com/office/powerpoint/2010/main" val="3303108229"/>
+      </p:ext>
+    </p:extLst>
+  </p:cSld>
+  <p:clrMapOvr>
+    <a:masterClrMapping/>
+  </p:clrMapOvr>
+</p:sld>
+</file>
+
+<file path=ppt/slides/slide11.xml><?xml version="1.0" encoding="utf-8"?>
+<p:sld xmlns:a="http://schemas.openxmlformats.org/drawingml/2006/main" xmlns:r="http://schemas.openxmlformats.org/officeDocument/2006/relationships" xmlns:p="http://schemas.openxmlformats.org/presentationml/2006/main">
+  <p:cSld>
+    <p:spTree>
+      <p:nvGrpSpPr>
+        <p:cNvPr id="1" name=""/>
+        <p:cNvGrpSpPr/>
+        <p:nvPr/>
+      </p:nvGrpSpPr>
+      <p:grpSpPr>
+        <a:xfrm>
+          <a:off x="0" y="0"/>
+          <a:ext cx="0" cy="0"/>
+          <a:chOff x="0" y="0"/>
+          <a:chExt cx="0" cy="0"/>
+        </a:xfrm>
+      </p:grpSpPr>
+      <p:sp>
+        <p:nvSpPr>
+          <p:cNvPr id="2" name="Title 1">
+            <a:extLst>
+              <a:ext uri="{FF2B5EF4-FFF2-40B4-BE49-F238E27FC236}">
+                <a16:creationId xmlns:a16="http://schemas.microsoft.com/office/drawing/2014/main" id="{3DC5284E-C6A8-461F-B5DD-E1B2888ADEA9}"/>
+              </a:ext>
+            </a:extLst>
+          </p:cNvPr>
+          <p:cNvSpPr>
+            <a:spLocks noGrp="1"/>
+          </p:cNvSpPr>
+          <p:nvPr>
+            <p:ph type="ctrTitle"/>
+          </p:nvPr>
+        </p:nvSpPr>
+        <p:spPr/>
+        <p:txBody>
+          <a:bodyPr/>
+          <a:lstStyle/>
+          <a:p>
+            <a:r>
+              <a:rPr lang="en-GB" dirty="0" err="1"/>
+              <a:t>Demonstation</a:t>
+            </a:r>
+            <a:endParaRPr lang="en-GB" dirty="0"/>
+          </a:p>
+        </p:txBody>
+      </p:sp>
+    </p:spTree>
+    <p:extLst>
+      <p:ext uri="{BB962C8B-B14F-4D97-AF65-F5344CB8AC3E}">
+        <p14:creationId xmlns:p14="http://schemas.microsoft.com/office/powerpoint/2010/main" val="90791087"/>
+      </p:ext>
+    </p:extLst>
+  </p:cSld>
+  <p:clrMapOvr>
+    <a:masterClrMapping/>
+  </p:clrMapOvr>
+</p:sld>
+</file>
+
+<file path=ppt/slides/slide12.xml><?xml version="1.0" encoding="utf-8"?>
+<p:sld xmlns:a="http://schemas.openxmlformats.org/drawingml/2006/main" xmlns:r="http://schemas.openxmlformats.org/officeDocument/2006/relationships" xmlns:p="http://schemas.openxmlformats.org/presentationml/2006/main">
+  <p:cSld>
+    <p:spTree>
+      <p:nvGrpSpPr>
+        <p:cNvPr id="1" name=""/>
+        <p:cNvGrpSpPr/>
+        <p:nvPr/>
+      </p:nvGrpSpPr>
+      <p:grpSpPr>
+        <a:xfrm>
+          <a:off x="0" y="0"/>
+          <a:ext cx="0" cy="0"/>
+          <a:chOff x="0" y="0"/>
+          <a:chExt cx="0" cy="0"/>
+        </a:xfrm>
+      </p:grpSpPr>
+      <p:sp>
+        <p:nvSpPr>
+          <p:cNvPr id="2" name="Title 1">
+            <a:extLst>
+              <a:ext uri="{FF2B5EF4-FFF2-40B4-BE49-F238E27FC236}">
                 <a16:creationId xmlns:a16="http://schemas.microsoft.com/office/drawing/2014/main" id="{9CB2D0AE-F467-4E9E-8A3C-1A489EE9AA4A}"/>
               </a:ext>
             </a:extLst>
@@ -6187,7 +6335,7 @@
 </p:sld>
 </file>
 
-<file path=ppt/slides/slide11.xml><?xml version="1.0" encoding="utf-8"?>
+<file path=ppt/slides/slide13.xml><?xml version="1.0" encoding="utf-8"?>
 <p:sld xmlns:a="http://schemas.openxmlformats.org/drawingml/2006/main" xmlns:r="http://schemas.openxmlformats.org/officeDocument/2006/relationships" xmlns:p="http://schemas.openxmlformats.org/presentationml/2006/main">
   <p:cSld>
     <p:bg>
@@ -6508,9 +6656,28 @@
 </p:sld>
 </file>
 
-<file path=ppt/slides/slide12.xml><?xml version="1.0" encoding="utf-8"?>
+<file path=ppt/slides/slide14.xml><?xml version="1.0" encoding="utf-8"?>
 <p:sld xmlns:a="http://schemas.openxmlformats.org/drawingml/2006/main" xmlns:r="http://schemas.openxmlformats.org/officeDocument/2006/relationships" xmlns:p="http://schemas.openxmlformats.org/presentationml/2006/main">
   <p:cSld>
+    <p:bg>
+      <p:bgPr>
+        <a:blipFill rotWithShape="1">
+          <a:blip r:embed="rId2">
+            <a:duotone>
+              <a:schemeClr val="bg2">
+                <a:shade val="80000"/>
+                <a:lumMod val="80000"/>
+              </a:schemeClr>
+              <a:schemeClr val="bg2">
+                <a:tint val="98000"/>
+              </a:schemeClr>
+            </a:duotone>
+          </a:blip>
+          <a:stretch/>
+        </a:blipFill>
+        <a:effectLst/>
+      </p:bgPr>
+    </p:bg>
     <p:spTree>
       <p:nvGrpSpPr>
         <p:cNvPr id="1" name=""/>
@@ -6525,12 +6692,72 @@
           <a:chExt cx="0" cy="0"/>
         </a:xfrm>
       </p:grpSpPr>
+      <p:sp useBgFill="1">
+        <p:nvSpPr>
+          <p:cNvPr id="8" name="Rectangle 7">
+            <a:extLst>
+              <a:ext uri="{FF2B5EF4-FFF2-40B4-BE49-F238E27FC236}">
+                <a16:creationId xmlns:a16="http://schemas.microsoft.com/office/drawing/2014/main" id="{9A6C2C86-63BF-47D5-AA3F-905111A238E2}"/>
+              </a:ext>
+              <a:ext uri="{C183D7F6-B498-43B3-948B-1728B52AA6E4}">
+                <adec:decorative xmlns:adec="http://schemas.microsoft.com/office/drawing/2017/decorative" val="1"/>
+              </a:ext>
+            </a:extLst>
+          </p:cNvPr>
+          <p:cNvSpPr>
+            <a:spLocks noGrp="1" noRot="1" noChangeAspect="1" noMove="1" noResize="1" noEditPoints="1" noAdjustHandles="1" noChangeArrowheads="1" noChangeShapeType="1" noTextEdit="1"/>
+          </p:cNvSpPr>
+          <p:nvPr>
+            <p:extLst>
+              <p:ext uri="{386F3935-93C4-4BCD-93E2-E3B085C9AB24}">
+                <p16:designElem xmlns:p16="http://schemas.microsoft.com/office/powerpoint/2015/main" val="1"/>
+              </p:ext>
+            </p:extLst>
+          </p:nvPr>
+        </p:nvSpPr>
+        <p:spPr>
+          <a:xfrm>
+            <a:off x="0" y="0"/>
+            <a:ext cx="12192000" cy="6858000"/>
+          </a:xfrm>
+          <a:prstGeom prst="rect">
+            <a:avLst/>
+          </a:prstGeom>
+          <a:ln>
+            <a:noFill/>
+          </a:ln>
+        </p:spPr>
+        <p:style>
+          <a:lnRef idx="2">
+            <a:schemeClr val="accent1">
+              <a:shade val="50000"/>
+            </a:schemeClr>
+          </a:lnRef>
+          <a:fillRef idx="1">
+            <a:schemeClr val="accent1"/>
+          </a:fillRef>
+          <a:effectRef idx="0">
+            <a:schemeClr val="accent1"/>
+          </a:effectRef>
+          <a:fontRef idx="minor">
+            <a:schemeClr val="lt1"/>
+          </a:fontRef>
+        </p:style>
+        <p:txBody>
+          <a:bodyPr rtlCol="0" anchor="ctr"/>
+          <a:lstStyle/>
+          <a:p>
+            <a:pPr algn="ctr"/>
+            <a:endParaRPr lang="en-US"/>
+          </a:p>
+        </p:txBody>
+      </p:sp>
       <p:sp>
         <p:nvSpPr>
           <p:cNvPr id="2" name="Title 1">
             <a:extLst>
               <a:ext uri="{FF2B5EF4-FFF2-40B4-BE49-F238E27FC236}">
-                <a16:creationId xmlns:a16="http://schemas.microsoft.com/office/drawing/2014/main" id="{653C46DD-B7A4-4E23-B619-A334BF559589}"/>
+                <a16:creationId xmlns:a16="http://schemas.microsoft.com/office/drawing/2014/main" id="{F6A20C86-EC7A-4FD3-A502-923471FAB995}"/>
               </a:ext>
             </a:extLst>
           </p:cNvPr>
@@ -6541,24 +6768,84 @@
             <p:ph type="title"/>
           </p:nvPr>
         </p:nvSpPr>
-        <p:spPr/>
-        <p:txBody>
-          <a:bodyPr/>
-          <a:lstStyle/>
-          <a:p>
-            <a:r>
-              <a:rPr lang="en-GB" dirty="0"/>
+        <p:spPr>
+          <a:xfrm>
+            <a:off x="834013" y="1115568"/>
+            <a:ext cx="3487616" cy="4626864"/>
+          </a:xfrm>
+        </p:spPr>
+        <p:txBody>
+          <a:bodyPr>
+            <a:normAutofit/>
+          </a:bodyPr>
+          <a:lstStyle/>
+          <a:p>
+            <a:pPr algn="l"/>
+            <a:r>
+              <a:rPr lang="en-GB" sz="3600"/>
               <a:t>Conclusion</a:t>
             </a:r>
           </a:p>
         </p:txBody>
       </p:sp>
+      <p:cxnSp>
+        <p:nvCxnSpPr>
+          <p:cNvPr id="10" name="Straight Connector 9">
+            <a:extLst>
+              <a:ext uri="{FF2B5EF4-FFF2-40B4-BE49-F238E27FC236}">
+                <a16:creationId xmlns:a16="http://schemas.microsoft.com/office/drawing/2014/main" id="{425A0768-3044-4AA9-A889-D2CAA68C517A}"/>
+              </a:ext>
+              <a:ext uri="{C183D7F6-B498-43B3-948B-1728B52AA6E4}">
+                <adec:decorative xmlns:adec="http://schemas.microsoft.com/office/drawing/2017/decorative" val="1"/>
+              </a:ext>
+            </a:extLst>
+          </p:cNvPr>
+          <p:cNvCxnSpPr>
+            <a:cxnSpLocks noGrp="1" noRot="1" noChangeAspect="1" noMove="1" noResize="1" noEditPoints="1" noAdjustHandles="1" noChangeArrowheads="1" noChangeShapeType="1"/>
+          </p:cNvCxnSpPr>
+          <p:nvPr>
+            <p:extLst>
+              <p:ext uri="{386F3935-93C4-4BCD-93E2-E3B085C9AB24}">
+                <p16:designElem xmlns:p16="http://schemas.microsoft.com/office/powerpoint/2015/main" val="1"/>
+              </p:ext>
+            </p:extLst>
+          </p:nvPr>
+        </p:nvCxnSpPr>
+        <p:spPr>
+          <a:xfrm>
+            <a:off x="4654605" y="2057400"/>
+            <a:ext cx="0" cy="2743200"/>
+          </a:xfrm>
+          <a:prstGeom prst="line">
+            <a:avLst/>
+          </a:prstGeom>
+          <a:ln w="19050">
+            <a:solidFill>
+              <a:schemeClr val="tx2"/>
+            </a:solidFill>
+          </a:ln>
+        </p:spPr>
+        <p:style>
+          <a:lnRef idx="1">
+            <a:schemeClr val="accent1"/>
+          </a:lnRef>
+          <a:fillRef idx="0">
+            <a:schemeClr val="accent1"/>
+          </a:fillRef>
+          <a:effectRef idx="0">
+            <a:schemeClr val="accent1"/>
+          </a:effectRef>
+          <a:fontRef idx="minor">
+            <a:schemeClr val="tx1"/>
+          </a:fontRef>
+        </p:style>
+      </p:cxnSp>
       <p:sp>
         <p:nvSpPr>
           <p:cNvPr id="3" name="Content Placeholder 2">
             <a:extLst>
               <a:ext uri="{FF2B5EF4-FFF2-40B4-BE49-F238E27FC236}">
-                <a16:creationId xmlns:a16="http://schemas.microsoft.com/office/drawing/2014/main" id="{A0E39E05-49F0-450B-BF9C-0991F82A9A18}"/>
+                <a16:creationId xmlns:a16="http://schemas.microsoft.com/office/drawing/2014/main" id="{8F4D34FA-8E00-4D47-8D43-82180215A90E}"/>
               </a:ext>
             </a:extLst>
           </p:cNvPr>
@@ -6569,19 +6856,108 @@
             <p:ph idx="1"/>
           </p:nvPr>
         </p:nvSpPr>
-        <p:spPr/>
-        <p:txBody>
-          <a:bodyPr/>
-          <a:lstStyle/>
-          <a:p>
-            <a:endParaRPr lang="en-GB"/>
+        <p:spPr>
+          <a:xfrm>
+            <a:off x="5105398" y="1115568"/>
+            <a:ext cx="6245352" cy="4626864"/>
+          </a:xfrm>
+        </p:spPr>
+        <p:txBody>
+          <a:bodyPr anchor="ctr">
+            <a:normAutofit/>
+          </a:bodyPr>
+          <a:lstStyle/>
+          <a:p>
+            <a:pPr>
+              <a:buClr>
+                <a:srgbClr val="FFC000"/>
+              </a:buClr>
+            </a:pPr>
+            <a:r>
+              <a:rPr lang="en-GB" dirty="0"/>
+              <a:t>What went well:</a:t>
+            </a:r>
+          </a:p>
+          <a:p>
+            <a:pPr lvl="1">
+              <a:buClr>
+                <a:srgbClr val="FFC000"/>
+              </a:buClr>
+            </a:pPr>
+            <a:r>
+              <a:rPr lang="en-GB" dirty="0"/>
+              <a:t>MVP was met.</a:t>
+            </a:r>
+          </a:p>
+          <a:p>
+            <a:pPr lvl="1">
+              <a:buClr>
+                <a:srgbClr val="FFC000"/>
+              </a:buClr>
+            </a:pPr>
+            <a:r>
+              <a:rPr lang="en-GB" dirty="0"/>
+              <a:t>Strong improvement to skillset.</a:t>
+            </a:r>
+          </a:p>
+          <a:p>
+            <a:pPr lvl="1">
+              <a:buClr>
+                <a:srgbClr val="FFC000"/>
+              </a:buClr>
+            </a:pPr>
+            <a:r>
+              <a:rPr lang="en-GB" dirty="0"/>
+              <a:t>Good use of version control.</a:t>
+            </a:r>
+          </a:p>
+          <a:p>
+            <a:pPr lvl="1">
+              <a:buClr>
+                <a:srgbClr val="FFC000"/>
+              </a:buClr>
+            </a:pPr>
+            <a:r>
+              <a:rPr lang="en-GB" dirty="0"/>
+              <a:t>A great level of testing.</a:t>
+            </a:r>
+          </a:p>
+          <a:p>
+            <a:pPr>
+              <a:buClr>
+                <a:srgbClr val="FFC000"/>
+              </a:buClr>
+            </a:pPr>
+            <a:r>
+              <a:rPr lang="en-GB" dirty="0"/>
+              <a:t>What could be improved:</a:t>
+            </a:r>
+          </a:p>
+          <a:p>
+            <a:pPr lvl="1">
+              <a:buClr>
+                <a:srgbClr val="FFC000"/>
+              </a:buClr>
+            </a:pPr>
+            <a:r>
+              <a:rPr lang="en-GB" dirty="0"/>
+              <a:t>Better usage of Jira board and project management software.</a:t>
+            </a:r>
+          </a:p>
+          <a:p>
+            <a:pPr lvl="1">
+              <a:buClr>
+                <a:srgbClr val="FFC000"/>
+              </a:buClr>
+            </a:pPr>
+            <a:endParaRPr lang="en-GB" dirty="0"/>
           </a:p>
         </p:txBody>
       </p:sp>
     </p:spTree>
     <p:extLst>
       <p:ext uri="{BB962C8B-B14F-4D97-AF65-F5344CB8AC3E}">
-        <p14:creationId xmlns:p14="http://schemas.microsoft.com/office/powerpoint/2010/main" val="2390039181"/>
+        <p14:creationId xmlns:p14="http://schemas.microsoft.com/office/powerpoint/2010/main" val="3630256345"/>
       </p:ext>
     </p:extLst>
   </p:cSld>
@@ -6591,7 +6967,7 @@
 </p:sld>
 </file>
 
-<file path=ppt/slides/slide13.xml><?xml version="1.0" encoding="utf-8"?>
+<file path=ppt/slides/slide15.xml><?xml version="1.0" encoding="utf-8"?>
 <p:sld xmlns:a="http://schemas.openxmlformats.org/drawingml/2006/main" xmlns:r="http://schemas.openxmlformats.org/officeDocument/2006/relationships" xmlns:p="http://schemas.openxmlformats.org/presentationml/2006/main">
   <p:cSld>
     <p:spTree>
@@ -6778,7 +7154,7 @@
           <p:cNvPr id="2" name="Title 1">
             <a:extLst>
               <a:ext uri="{FF2B5EF4-FFF2-40B4-BE49-F238E27FC236}">
-                <a16:creationId xmlns:a16="http://schemas.microsoft.com/office/drawing/2014/main" id="{EF89BEA1-E9C7-4EE0-A737-A06D40396C03}"/>
+                <a16:creationId xmlns:a16="http://schemas.microsoft.com/office/drawing/2014/main" id="{1E1B3C4F-C862-43C7-83D9-856B793019E2}"/>
               </a:ext>
             </a:extLst>
           </p:cNvPr>
@@ -6804,8 +7180,9 @@
             <a:pPr algn="l"/>
             <a:r>
               <a:rPr lang="en-GB" sz="3600" dirty="0"/>
-              <a:t>Concept</a:t>
-            </a:r>
+              <a:t>Introduction</a:t>
+            </a:r>
+            <a:endParaRPr lang="en-GB" sz="3600"/>
           </a:p>
         </p:txBody>
       </p:sp>
@@ -6866,7 +7243,7 @@
           <p:cNvPr id="3" name="Content Placeholder 2">
             <a:extLst>
               <a:ext uri="{FF2B5EF4-FFF2-40B4-BE49-F238E27FC236}">
-                <a16:creationId xmlns:a16="http://schemas.microsoft.com/office/drawing/2014/main" id="{26DE9E2A-1379-4149-AA17-1F8B33D064B3}"/>
+                <a16:creationId xmlns:a16="http://schemas.microsoft.com/office/drawing/2014/main" id="{DDD9C569-353C-45BC-BF78-B6A695B237C2}"/>
               </a:ext>
             </a:extLst>
           </p:cNvPr>
@@ -6896,7 +7273,33 @@
             </a:pPr>
             <a:r>
               <a:rPr lang="en-GB" dirty="0"/>
-              <a:t>Noted initial stand-out user stories.</a:t>
+              <a:t>Me, myself and I:</a:t>
+            </a:r>
+          </a:p>
+          <a:p>
+            <a:pPr lvl="1">
+              <a:buClr>
+                <a:srgbClr val="FFC000"/>
+              </a:buClr>
+            </a:pPr>
+            <a:r>
+              <a:rPr lang="en-GB"/>
+              <a:t>A consultant </a:t>
+            </a:r>
+            <a:r>
+              <a:rPr lang="en-GB" dirty="0"/>
+              <a:t>at QA Academy.</a:t>
+            </a:r>
+          </a:p>
+          <a:p>
+            <a:pPr lvl="1">
+              <a:buClr>
+                <a:srgbClr val="FFC000"/>
+              </a:buClr>
+            </a:pPr>
+            <a:r>
+              <a:rPr lang="en-GB" dirty="0"/>
+              <a:t>A solid background in coding.</a:t>
             </a:r>
           </a:p>
           <a:p>
@@ -6907,18 +7310,7 @@
             </a:pPr>
             <a:r>
               <a:rPr lang="en-GB" dirty="0"/>
-              <a:t>Generated epics from those user stories.</a:t>
-            </a:r>
-          </a:p>
-          <a:p>
-            <a:pPr>
-              <a:buClr>
-                <a:srgbClr val="FFC000"/>
-              </a:buClr>
-            </a:pPr>
-            <a:r>
-              <a:rPr lang="en-GB" dirty="0"/>
-              <a:t>Adhered to a simple SDLC nomenclature for following epics:</a:t>
+              <a:t>How I tackled the specification:</a:t>
             </a:r>
           </a:p>
           <a:p>
@@ -6929,26 +7321,56 @@
             </a:pPr>
             <a:r>
               <a:rPr lang="en-GB" dirty="0"/>
-              <a:t>Planning, Analysis, Design…</a:t>
-            </a:r>
-          </a:p>
-          <a:p>
-            <a:pPr>
+              <a:t>Background research into new technologies I’d be facing.</a:t>
+            </a:r>
+          </a:p>
+          <a:p>
+            <a:pPr lvl="1">
               <a:buClr>
                 <a:srgbClr val="FFC000"/>
               </a:buClr>
             </a:pPr>
             <a:r>
               <a:rPr lang="en-GB" dirty="0"/>
-              <a:t>Assigned tasks to these epics.</a:t>
-            </a:r>
+              <a:t>Use of BOSCARD to summaries.</a:t>
+            </a:r>
+          </a:p>
+          <a:p>
+            <a:pPr lvl="1">
+              <a:buClr>
+                <a:srgbClr val="FFC000"/>
+              </a:buClr>
+            </a:pPr>
+            <a:r>
+              <a:rPr lang="en-GB" dirty="0"/>
+              <a:t>Prioritisation methods:</a:t>
+            </a:r>
+          </a:p>
+          <a:p>
+            <a:pPr marL="1008900" lvl="3" indent="-306000">
+              <a:buClr>
+                <a:srgbClr val="FFC000"/>
+              </a:buClr>
+            </a:pPr>
+            <a:r>
+              <a:rPr lang="en-GB" dirty="0" err="1"/>
+              <a:t>MoSCoW</a:t>
+            </a:r>
+            <a:endParaRPr lang="en-GB" dirty="0"/>
+          </a:p>
+          <a:p>
+            <a:pPr lvl="2"/>
+            <a:endParaRPr lang="en-GB" dirty="0"/>
+          </a:p>
+          <a:p>
+            <a:endParaRPr lang="en-GB" dirty="0"/>
           </a:p>
         </p:txBody>
       </p:sp>
     </p:spTree>
     <p:extLst>
       <p:ext uri="{BB962C8B-B14F-4D97-AF65-F5344CB8AC3E}">
-        <p14:creationId xmlns:p14="http://schemas.microsoft.com/office/powerpoint/2010/main" val="4073287978"/>
+        <p14:creationId xmlns:p14="http://schemas.microsoft.com/office/powerpoint/2010/main" val="1890842590"/>
       </p:ext>
     </p:extLst>
   </p:cSld>
@@ -6959,181 +7381,6 @@
 </file>
 
 <file path=ppt/slides/slide3.xml><?xml version="1.0" encoding="utf-8"?>
-<p:sld xmlns:a="http://schemas.openxmlformats.org/drawingml/2006/main" xmlns:r="http://schemas.openxmlformats.org/officeDocument/2006/relationships" xmlns:p="http://schemas.openxmlformats.org/presentationml/2006/main">
-  <p:cSld>
-    <p:spTree>
-      <p:nvGrpSpPr>
-        <p:cNvPr id="1" name=""/>
-        <p:cNvGrpSpPr/>
-        <p:nvPr/>
-      </p:nvGrpSpPr>
-      <p:grpSpPr>
-        <a:xfrm>
-          <a:off x="0" y="0"/>
-          <a:ext cx="0" cy="0"/>
-          <a:chOff x="0" y="0"/>
-          <a:chExt cx="0" cy="0"/>
-        </a:xfrm>
-      </p:grpSpPr>
-      <p:sp>
-        <p:nvSpPr>
-          <p:cNvPr id="2" name="Title 1">
-            <a:extLst>
-              <a:ext uri="{FF2B5EF4-FFF2-40B4-BE49-F238E27FC236}">
-                <a16:creationId xmlns:a16="http://schemas.microsoft.com/office/drawing/2014/main" id="{2354A5EB-5692-4E35-A34C-E3D711E780D7}"/>
-              </a:ext>
-            </a:extLst>
-          </p:cNvPr>
-          <p:cNvSpPr>
-            <a:spLocks noGrp="1"/>
-          </p:cNvSpPr>
-          <p:nvPr>
-            <p:ph type="title"/>
-          </p:nvPr>
-        </p:nvSpPr>
-        <p:spPr/>
-        <p:txBody>
-          <a:bodyPr/>
-          <a:lstStyle/>
-          <a:p>
-            <a:r>
-              <a:rPr lang="en-GB" dirty="0"/>
-              <a:t>Example Epic</a:t>
-            </a:r>
-          </a:p>
-        </p:txBody>
-      </p:sp>
-      <p:pic>
-        <p:nvPicPr>
-          <p:cNvPr id="5" name="Content Placeholder 4">
-            <a:extLst>
-              <a:ext uri="{FF2B5EF4-FFF2-40B4-BE49-F238E27FC236}">
-                <a16:creationId xmlns:a16="http://schemas.microsoft.com/office/drawing/2014/main" id="{EEC0F7FE-EECB-4B2E-A265-DB923E311B50}"/>
-              </a:ext>
-            </a:extLst>
-          </p:cNvPr>
-          <p:cNvPicPr>
-            <a:picLocks noGrp="1" noChangeAspect="1"/>
-          </p:cNvPicPr>
-          <p:nvPr>
-            <p:ph idx="1"/>
-          </p:nvPr>
-        </p:nvPicPr>
-        <p:blipFill>
-          <a:blip r:embed="rId2"/>
-          <a:stretch>
-            <a:fillRect/>
-          </a:stretch>
-        </p:blipFill>
-        <p:spPr>
-          <a:xfrm>
-            <a:off x="2357437" y="2666206"/>
-            <a:ext cx="7467600" cy="2190750"/>
-          </a:xfrm>
-        </p:spPr>
-      </p:pic>
-    </p:spTree>
-    <p:extLst>
-      <p:ext uri="{BB962C8B-B14F-4D97-AF65-F5344CB8AC3E}">
-        <p14:creationId xmlns:p14="http://schemas.microsoft.com/office/powerpoint/2010/main" val="682604867"/>
-      </p:ext>
-    </p:extLst>
-  </p:cSld>
-  <p:clrMapOvr>
-    <a:masterClrMapping/>
-  </p:clrMapOvr>
-</p:sld>
-</file>
-
-<file path=ppt/slides/slide4.xml><?xml version="1.0" encoding="utf-8"?>
-<p:sld xmlns:a="http://schemas.openxmlformats.org/drawingml/2006/main" xmlns:r="http://schemas.openxmlformats.org/officeDocument/2006/relationships" xmlns:p="http://schemas.openxmlformats.org/presentationml/2006/main">
-  <p:cSld>
-    <p:spTree>
-      <p:nvGrpSpPr>
-        <p:cNvPr id="1" name=""/>
-        <p:cNvGrpSpPr/>
-        <p:nvPr/>
-      </p:nvGrpSpPr>
-      <p:grpSpPr>
-        <a:xfrm>
-          <a:off x="0" y="0"/>
-          <a:ext cx="0" cy="0"/>
-          <a:chOff x="0" y="0"/>
-          <a:chExt cx="0" cy="0"/>
-        </a:xfrm>
-      </p:grpSpPr>
-      <p:sp>
-        <p:nvSpPr>
-          <p:cNvPr id="2" name="Title 1">
-            <a:extLst>
-              <a:ext uri="{FF2B5EF4-FFF2-40B4-BE49-F238E27FC236}">
-                <a16:creationId xmlns:a16="http://schemas.microsoft.com/office/drawing/2014/main" id="{86763D70-9278-46B3-8DC9-9FEB3D67C8DD}"/>
-              </a:ext>
-            </a:extLst>
-          </p:cNvPr>
-          <p:cNvSpPr>
-            <a:spLocks noGrp="1"/>
-          </p:cNvSpPr>
-          <p:nvPr>
-            <p:ph type="title"/>
-          </p:nvPr>
-        </p:nvSpPr>
-        <p:spPr/>
-        <p:txBody>
-          <a:bodyPr/>
-          <a:lstStyle/>
-          <a:p>
-            <a:r>
-              <a:rPr lang="en-GB" dirty="0"/>
-              <a:t>Sprint Plan</a:t>
-            </a:r>
-          </a:p>
-        </p:txBody>
-      </p:sp>
-      <p:pic>
-        <p:nvPicPr>
-          <p:cNvPr id="7" name="Picture 6">
-            <a:extLst>
-              <a:ext uri="{FF2B5EF4-FFF2-40B4-BE49-F238E27FC236}">
-                <a16:creationId xmlns:a16="http://schemas.microsoft.com/office/drawing/2014/main" id="{4B4CF037-5D27-4DCB-BEB8-D0C1D6F0F69B}"/>
-              </a:ext>
-            </a:extLst>
-          </p:cNvPr>
-          <p:cNvPicPr>
-            <a:picLocks noChangeAspect="1"/>
-          </p:cNvPicPr>
-          <p:nvPr/>
-        </p:nvPicPr>
-        <p:blipFill>
-          <a:blip r:embed="rId2"/>
-          <a:stretch>
-            <a:fillRect/>
-          </a:stretch>
-        </p:blipFill>
-        <p:spPr>
-          <a:xfrm>
-            <a:off x="1652449" y="2438399"/>
-            <a:ext cx="8887102" cy="1981202"/>
-          </a:xfrm>
-          <a:prstGeom prst="rect">
-            <a:avLst/>
-          </a:prstGeom>
-        </p:spPr>
-      </p:pic>
-    </p:spTree>
-    <p:extLst>
-      <p:ext uri="{BB962C8B-B14F-4D97-AF65-F5344CB8AC3E}">
-        <p14:creationId xmlns:p14="http://schemas.microsoft.com/office/powerpoint/2010/main" val="2282099271"/>
-      </p:ext>
-    </p:extLst>
-  </p:cSld>
-  <p:clrMapOvr>
-    <a:masterClrMapping/>
-  </p:clrMapOvr>
-</p:sld>
-</file>
-
-<file path=ppt/slides/slide5.xml><?xml version="1.0" encoding="utf-8"?>
 <p:sld xmlns:a="http://schemas.openxmlformats.org/drawingml/2006/main" xmlns:r="http://schemas.openxmlformats.org/officeDocument/2006/relationships" xmlns:p="http://schemas.openxmlformats.org/presentationml/2006/main">
   <p:cSld>
     <p:bg>
@@ -7488,7 +7735,7 @@
 </p:sld>
 </file>
 
-<file path=ppt/slides/slide6.xml><?xml version="1.0" encoding="utf-8"?>
+<file path=ppt/slides/slide4.xml><?xml version="1.0" encoding="utf-8"?>
 <p:sld xmlns:a="http://schemas.openxmlformats.org/drawingml/2006/main" xmlns:r="http://schemas.openxmlformats.org/officeDocument/2006/relationships" xmlns:p="http://schemas.openxmlformats.org/presentationml/2006/main">
   <p:cSld>
     <p:bg>
@@ -7524,6 +7771,462 @@
           <a:chExt cx="0" cy="0"/>
         </a:xfrm>
       </p:grpSpPr>
+      <p:sp useBgFill="1">
+        <p:nvSpPr>
+          <p:cNvPr id="8" name="Rectangle 7">
+            <a:extLst>
+              <a:ext uri="{FF2B5EF4-FFF2-40B4-BE49-F238E27FC236}">
+                <a16:creationId xmlns:a16="http://schemas.microsoft.com/office/drawing/2014/main" id="{9A6C2C86-63BF-47D5-AA3F-905111A238E2}"/>
+              </a:ext>
+              <a:ext uri="{C183D7F6-B498-43B3-948B-1728B52AA6E4}">
+                <adec:decorative xmlns:adec="http://schemas.microsoft.com/office/drawing/2017/decorative" val="1"/>
+              </a:ext>
+            </a:extLst>
+          </p:cNvPr>
+          <p:cNvSpPr>
+            <a:spLocks noGrp="1" noRot="1" noChangeAspect="1" noMove="1" noResize="1" noEditPoints="1" noAdjustHandles="1" noChangeArrowheads="1" noChangeShapeType="1" noTextEdit="1"/>
+          </p:cNvSpPr>
+          <p:nvPr>
+            <p:extLst>
+              <p:ext uri="{386F3935-93C4-4BCD-93E2-E3B085C9AB24}">
+                <p16:designElem xmlns:p16="http://schemas.microsoft.com/office/powerpoint/2015/main" val="1"/>
+              </p:ext>
+            </p:extLst>
+          </p:nvPr>
+        </p:nvSpPr>
+        <p:spPr>
+          <a:xfrm>
+            <a:off x="0" y="0"/>
+            <a:ext cx="12192000" cy="6858000"/>
+          </a:xfrm>
+          <a:prstGeom prst="rect">
+            <a:avLst/>
+          </a:prstGeom>
+          <a:ln>
+            <a:noFill/>
+          </a:ln>
+        </p:spPr>
+        <p:style>
+          <a:lnRef idx="2">
+            <a:schemeClr val="accent1">
+              <a:shade val="50000"/>
+            </a:schemeClr>
+          </a:lnRef>
+          <a:fillRef idx="1">
+            <a:schemeClr val="accent1"/>
+          </a:fillRef>
+          <a:effectRef idx="0">
+            <a:schemeClr val="accent1"/>
+          </a:effectRef>
+          <a:fontRef idx="minor">
+            <a:schemeClr val="lt1"/>
+          </a:fontRef>
+        </p:style>
+        <p:txBody>
+          <a:bodyPr rtlCol="0" anchor="ctr"/>
+          <a:lstStyle/>
+          <a:p>
+            <a:pPr algn="ctr"/>
+            <a:endParaRPr lang="en-US"/>
+          </a:p>
+        </p:txBody>
+      </p:sp>
+      <p:sp>
+        <p:nvSpPr>
+          <p:cNvPr id="2" name="Title 1">
+            <a:extLst>
+              <a:ext uri="{FF2B5EF4-FFF2-40B4-BE49-F238E27FC236}">
+                <a16:creationId xmlns:a16="http://schemas.microsoft.com/office/drawing/2014/main" id="{EF89BEA1-E9C7-4EE0-A737-A06D40396C03}"/>
+              </a:ext>
+            </a:extLst>
+          </p:cNvPr>
+          <p:cNvSpPr>
+            <a:spLocks noGrp="1"/>
+          </p:cNvSpPr>
+          <p:nvPr>
+            <p:ph type="title"/>
+          </p:nvPr>
+        </p:nvSpPr>
+        <p:spPr>
+          <a:xfrm>
+            <a:off x="834013" y="1115568"/>
+            <a:ext cx="3487616" cy="4626864"/>
+          </a:xfrm>
+        </p:spPr>
+        <p:txBody>
+          <a:bodyPr>
+            <a:normAutofit/>
+          </a:bodyPr>
+          <a:lstStyle/>
+          <a:p>
+            <a:pPr algn="l"/>
+            <a:r>
+              <a:rPr lang="en-GB" sz="3600" dirty="0"/>
+              <a:t>Concept</a:t>
+            </a:r>
+          </a:p>
+        </p:txBody>
+      </p:sp>
+      <p:cxnSp>
+        <p:nvCxnSpPr>
+          <p:cNvPr id="10" name="Straight Connector 9">
+            <a:extLst>
+              <a:ext uri="{FF2B5EF4-FFF2-40B4-BE49-F238E27FC236}">
+                <a16:creationId xmlns:a16="http://schemas.microsoft.com/office/drawing/2014/main" id="{425A0768-3044-4AA9-A889-D2CAA68C517A}"/>
+              </a:ext>
+              <a:ext uri="{C183D7F6-B498-43B3-948B-1728B52AA6E4}">
+                <adec:decorative xmlns:adec="http://schemas.microsoft.com/office/drawing/2017/decorative" val="1"/>
+              </a:ext>
+            </a:extLst>
+          </p:cNvPr>
+          <p:cNvCxnSpPr>
+            <a:cxnSpLocks noGrp="1" noRot="1" noChangeAspect="1" noMove="1" noResize="1" noEditPoints="1" noAdjustHandles="1" noChangeArrowheads="1" noChangeShapeType="1"/>
+          </p:cNvCxnSpPr>
+          <p:nvPr>
+            <p:extLst>
+              <p:ext uri="{386F3935-93C4-4BCD-93E2-E3B085C9AB24}">
+                <p16:designElem xmlns:p16="http://schemas.microsoft.com/office/powerpoint/2015/main" val="1"/>
+              </p:ext>
+            </p:extLst>
+          </p:nvPr>
+        </p:nvCxnSpPr>
+        <p:spPr>
+          <a:xfrm>
+            <a:off x="4654605" y="2057400"/>
+            <a:ext cx="0" cy="2743200"/>
+          </a:xfrm>
+          <a:prstGeom prst="line">
+            <a:avLst/>
+          </a:prstGeom>
+          <a:ln w="19050">
+            <a:solidFill>
+              <a:schemeClr val="tx2"/>
+            </a:solidFill>
+          </a:ln>
+        </p:spPr>
+        <p:style>
+          <a:lnRef idx="1">
+            <a:schemeClr val="accent1"/>
+          </a:lnRef>
+          <a:fillRef idx="0">
+            <a:schemeClr val="accent1"/>
+          </a:fillRef>
+          <a:effectRef idx="0">
+            <a:schemeClr val="accent1"/>
+          </a:effectRef>
+          <a:fontRef idx="minor">
+            <a:schemeClr val="tx1"/>
+          </a:fontRef>
+        </p:style>
+      </p:cxnSp>
+      <p:sp>
+        <p:nvSpPr>
+          <p:cNvPr id="3" name="Content Placeholder 2">
+            <a:extLst>
+              <a:ext uri="{FF2B5EF4-FFF2-40B4-BE49-F238E27FC236}">
+                <a16:creationId xmlns:a16="http://schemas.microsoft.com/office/drawing/2014/main" id="{26DE9E2A-1379-4149-AA17-1F8B33D064B3}"/>
+              </a:ext>
+            </a:extLst>
+          </p:cNvPr>
+          <p:cNvSpPr>
+            <a:spLocks noGrp="1"/>
+          </p:cNvSpPr>
+          <p:nvPr>
+            <p:ph idx="1"/>
+          </p:nvPr>
+        </p:nvSpPr>
+        <p:spPr>
+          <a:xfrm>
+            <a:off x="5105398" y="1115568"/>
+            <a:ext cx="6245352" cy="4626864"/>
+          </a:xfrm>
+        </p:spPr>
+        <p:txBody>
+          <a:bodyPr anchor="ctr">
+            <a:normAutofit/>
+          </a:bodyPr>
+          <a:lstStyle/>
+          <a:p>
+            <a:pPr>
+              <a:buClr>
+                <a:srgbClr val="FFC000"/>
+              </a:buClr>
+            </a:pPr>
+            <a:r>
+              <a:rPr lang="en-GB" dirty="0"/>
+              <a:t>Noted initial stand-out user stories.</a:t>
+            </a:r>
+          </a:p>
+          <a:p>
+            <a:pPr>
+              <a:buClr>
+                <a:srgbClr val="FFC000"/>
+              </a:buClr>
+            </a:pPr>
+            <a:r>
+              <a:rPr lang="en-GB" dirty="0"/>
+              <a:t>Generated epics from those user stories.</a:t>
+            </a:r>
+          </a:p>
+          <a:p>
+            <a:pPr>
+              <a:buClr>
+                <a:srgbClr val="FFC000"/>
+              </a:buClr>
+            </a:pPr>
+            <a:r>
+              <a:rPr lang="en-GB" dirty="0"/>
+              <a:t>Adhered to a simple SDLC nomenclature for following epics:</a:t>
+            </a:r>
+          </a:p>
+          <a:p>
+            <a:pPr lvl="1">
+              <a:buClr>
+                <a:srgbClr val="FFC000"/>
+              </a:buClr>
+            </a:pPr>
+            <a:r>
+              <a:rPr lang="en-GB" dirty="0"/>
+              <a:t>Planning, Analysis, Design…</a:t>
+            </a:r>
+          </a:p>
+          <a:p>
+            <a:pPr>
+              <a:buClr>
+                <a:srgbClr val="FFC000"/>
+              </a:buClr>
+            </a:pPr>
+            <a:r>
+              <a:rPr lang="en-GB" dirty="0"/>
+              <a:t>Assigned tasks to these epics.</a:t>
+            </a:r>
+          </a:p>
+        </p:txBody>
+      </p:sp>
+    </p:spTree>
+    <p:extLst>
+      <p:ext uri="{BB962C8B-B14F-4D97-AF65-F5344CB8AC3E}">
+        <p14:creationId xmlns:p14="http://schemas.microsoft.com/office/powerpoint/2010/main" val="4073287978"/>
+      </p:ext>
+    </p:extLst>
+  </p:cSld>
+  <p:clrMapOvr>
+    <a:masterClrMapping/>
+  </p:clrMapOvr>
+</p:sld>
+</file>
+
+<file path=ppt/slides/slide5.xml><?xml version="1.0" encoding="utf-8"?>
+<p:sld xmlns:a="http://schemas.openxmlformats.org/drawingml/2006/main" xmlns:r="http://schemas.openxmlformats.org/officeDocument/2006/relationships" xmlns:p="http://schemas.openxmlformats.org/presentationml/2006/main">
+  <p:cSld>
+    <p:spTree>
+      <p:nvGrpSpPr>
+        <p:cNvPr id="1" name=""/>
+        <p:cNvGrpSpPr/>
+        <p:nvPr/>
+      </p:nvGrpSpPr>
+      <p:grpSpPr>
+        <a:xfrm>
+          <a:off x="0" y="0"/>
+          <a:ext cx="0" cy="0"/>
+          <a:chOff x="0" y="0"/>
+          <a:chExt cx="0" cy="0"/>
+        </a:xfrm>
+      </p:grpSpPr>
+      <p:sp>
+        <p:nvSpPr>
+          <p:cNvPr id="2" name="Title 1">
+            <a:extLst>
+              <a:ext uri="{FF2B5EF4-FFF2-40B4-BE49-F238E27FC236}">
+                <a16:creationId xmlns:a16="http://schemas.microsoft.com/office/drawing/2014/main" id="{2354A5EB-5692-4E35-A34C-E3D711E780D7}"/>
+              </a:ext>
+            </a:extLst>
+          </p:cNvPr>
+          <p:cNvSpPr>
+            <a:spLocks noGrp="1"/>
+          </p:cNvSpPr>
+          <p:nvPr>
+            <p:ph type="title"/>
+          </p:nvPr>
+        </p:nvSpPr>
+        <p:spPr/>
+        <p:txBody>
+          <a:bodyPr/>
+          <a:lstStyle/>
+          <a:p>
+            <a:r>
+              <a:rPr lang="en-GB" dirty="0"/>
+              <a:t>Example Epic</a:t>
+            </a:r>
+          </a:p>
+        </p:txBody>
+      </p:sp>
+      <p:pic>
+        <p:nvPicPr>
+          <p:cNvPr id="5" name="Content Placeholder 4">
+            <a:extLst>
+              <a:ext uri="{FF2B5EF4-FFF2-40B4-BE49-F238E27FC236}">
+                <a16:creationId xmlns:a16="http://schemas.microsoft.com/office/drawing/2014/main" id="{EEC0F7FE-EECB-4B2E-A265-DB923E311B50}"/>
+              </a:ext>
+            </a:extLst>
+          </p:cNvPr>
+          <p:cNvPicPr>
+            <a:picLocks noGrp="1" noChangeAspect="1"/>
+          </p:cNvPicPr>
+          <p:nvPr>
+            <p:ph idx="1"/>
+          </p:nvPr>
+        </p:nvPicPr>
+        <p:blipFill>
+          <a:blip r:embed="rId2"/>
+          <a:stretch>
+            <a:fillRect/>
+          </a:stretch>
+        </p:blipFill>
+        <p:spPr>
+          <a:xfrm>
+            <a:off x="2357437" y="2666206"/>
+            <a:ext cx="7467600" cy="2190750"/>
+          </a:xfrm>
+        </p:spPr>
+      </p:pic>
+    </p:spTree>
+    <p:extLst>
+      <p:ext uri="{BB962C8B-B14F-4D97-AF65-F5344CB8AC3E}">
+        <p14:creationId xmlns:p14="http://schemas.microsoft.com/office/powerpoint/2010/main" val="682604867"/>
+      </p:ext>
+    </p:extLst>
+  </p:cSld>
+  <p:clrMapOvr>
+    <a:masterClrMapping/>
+  </p:clrMapOvr>
+</p:sld>
+</file>
+
+<file path=ppt/slides/slide6.xml><?xml version="1.0" encoding="utf-8"?>
+<p:sld xmlns:a="http://schemas.openxmlformats.org/drawingml/2006/main" xmlns:r="http://schemas.openxmlformats.org/officeDocument/2006/relationships" xmlns:p="http://schemas.openxmlformats.org/presentationml/2006/main">
+  <p:cSld>
+    <p:spTree>
+      <p:nvGrpSpPr>
+        <p:cNvPr id="1" name=""/>
+        <p:cNvGrpSpPr/>
+        <p:nvPr/>
+      </p:nvGrpSpPr>
+      <p:grpSpPr>
+        <a:xfrm>
+          <a:off x="0" y="0"/>
+          <a:ext cx="0" cy="0"/>
+          <a:chOff x="0" y="0"/>
+          <a:chExt cx="0" cy="0"/>
+        </a:xfrm>
+      </p:grpSpPr>
+      <p:sp>
+        <p:nvSpPr>
+          <p:cNvPr id="2" name="Title 1">
+            <a:extLst>
+              <a:ext uri="{FF2B5EF4-FFF2-40B4-BE49-F238E27FC236}">
+                <a16:creationId xmlns:a16="http://schemas.microsoft.com/office/drawing/2014/main" id="{86763D70-9278-46B3-8DC9-9FEB3D67C8DD}"/>
+              </a:ext>
+            </a:extLst>
+          </p:cNvPr>
+          <p:cNvSpPr>
+            <a:spLocks noGrp="1"/>
+          </p:cNvSpPr>
+          <p:nvPr>
+            <p:ph type="title"/>
+          </p:nvPr>
+        </p:nvSpPr>
+        <p:spPr/>
+        <p:txBody>
+          <a:bodyPr/>
+          <a:lstStyle/>
+          <a:p>
+            <a:r>
+              <a:rPr lang="en-GB" dirty="0"/>
+              <a:t>Sprint Plan</a:t>
+            </a:r>
+          </a:p>
+        </p:txBody>
+      </p:sp>
+      <p:pic>
+        <p:nvPicPr>
+          <p:cNvPr id="7" name="Picture 6">
+            <a:extLst>
+              <a:ext uri="{FF2B5EF4-FFF2-40B4-BE49-F238E27FC236}">
+                <a16:creationId xmlns:a16="http://schemas.microsoft.com/office/drawing/2014/main" id="{4B4CF037-5D27-4DCB-BEB8-D0C1D6F0F69B}"/>
+              </a:ext>
+            </a:extLst>
+          </p:cNvPr>
+          <p:cNvPicPr>
+            <a:picLocks noChangeAspect="1"/>
+          </p:cNvPicPr>
+          <p:nvPr/>
+        </p:nvPicPr>
+        <p:blipFill>
+          <a:blip r:embed="rId2"/>
+          <a:stretch>
+            <a:fillRect/>
+          </a:stretch>
+        </p:blipFill>
+        <p:spPr>
+          <a:xfrm>
+            <a:off x="1652449" y="2438399"/>
+            <a:ext cx="8887102" cy="1981202"/>
+          </a:xfrm>
+          <a:prstGeom prst="rect">
+            <a:avLst/>
+          </a:prstGeom>
+        </p:spPr>
+      </p:pic>
+    </p:spTree>
+    <p:extLst>
+      <p:ext uri="{BB962C8B-B14F-4D97-AF65-F5344CB8AC3E}">
+        <p14:creationId xmlns:p14="http://schemas.microsoft.com/office/powerpoint/2010/main" val="2282099271"/>
+      </p:ext>
+    </p:extLst>
+  </p:cSld>
+  <p:clrMapOvr>
+    <a:masterClrMapping/>
+  </p:clrMapOvr>
+</p:sld>
+</file>
+
+<file path=ppt/slides/slide7.xml><?xml version="1.0" encoding="utf-8"?>
+<p:sld xmlns:a="http://schemas.openxmlformats.org/drawingml/2006/main" xmlns:r="http://schemas.openxmlformats.org/officeDocument/2006/relationships" xmlns:p="http://schemas.openxmlformats.org/presentationml/2006/main">
+  <p:cSld>
+    <p:bg>
+      <p:bgPr>
+        <a:blipFill rotWithShape="1">
+          <a:blip r:embed="rId2">
+            <a:duotone>
+              <a:schemeClr val="bg2">
+                <a:shade val="80000"/>
+                <a:lumMod val="80000"/>
+              </a:schemeClr>
+              <a:schemeClr val="bg2">
+                <a:tint val="98000"/>
+              </a:schemeClr>
+            </a:duotone>
+          </a:blip>
+          <a:stretch/>
+        </a:blipFill>
+        <a:effectLst/>
+      </p:bgPr>
+    </p:bg>
+    <p:spTree>
+      <p:nvGrpSpPr>
+        <p:cNvPr id="1" name=""/>
+        <p:cNvGrpSpPr/>
+        <p:nvPr/>
+      </p:nvGrpSpPr>
+      <p:grpSpPr>
+        <a:xfrm>
+          <a:off x="0" y="0"/>
+          <a:ext cx="0" cy="0"/>
+          <a:chOff x="0" y="0"/>
+          <a:chExt cx="0" cy="0"/>
+        </a:xfrm>
+      </p:grpSpPr>
       <p:sp>
         <p:nvSpPr>
           <p:cNvPr id="2" name="Title 1">
@@ -7751,94 +8454,6 @@
     <p:extLst>
       <p:ext uri="{BB962C8B-B14F-4D97-AF65-F5344CB8AC3E}">
         <p14:creationId xmlns:p14="http://schemas.microsoft.com/office/powerpoint/2010/main" val="1485602710"/>
-      </p:ext>
-    </p:extLst>
-  </p:cSld>
-  <p:clrMapOvr>
-    <a:masterClrMapping/>
-  </p:clrMapOvr>
-</p:sld>
-</file>
-
-<file path=ppt/slides/slide7.xml><?xml version="1.0" encoding="utf-8"?>
-<p:sld xmlns:a="http://schemas.openxmlformats.org/drawingml/2006/main" xmlns:r="http://schemas.openxmlformats.org/officeDocument/2006/relationships" xmlns:p="http://schemas.openxmlformats.org/presentationml/2006/main">
-  <p:cSld>
-    <p:spTree>
-      <p:nvGrpSpPr>
-        <p:cNvPr id="1" name=""/>
-        <p:cNvGrpSpPr/>
-        <p:nvPr/>
-      </p:nvGrpSpPr>
-      <p:grpSpPr>
-        <a:xfrm>
-          <a:off x="0" y="0"/>
-          <a:ext cx="0" cy="0"/>
-          <a:chOff x="0" y="0"/>
-          <a:chExt cx="0" cy="0"/>
-        </a:xfrm>
-      </p:grpSpPr>
-      <p:sp>
-        <p:nvSpPr>
-          <p:cNvPr id="2" name="Title 1">
-            <a:extLst>
-              <a:ext uri="{FF2B5EF4-FFF2-40B4-BE49-F238E27FC236}">
-                <a16:creationId xmlns:a16="http://schemas.microsoft.com/office/drawing/2014/main" id="{EB1DAA3F-F3E3-4579-AB37-4E4A90446E0B}"/>
-              </a:ext>
-            </a:extLst>
-          </p:cNvPr>
-          <p:cNvSpPr>
-            <a:spLocks noGrp="1"/>
-          </p:cNvSpPr>
-          <p:nvPr>
-            <p:ph type="title"/>
-          </p:nvPr>
-        </p:nvSpPr>
-        <p:spPr/>
-        <p:txBody>
-          <a:bodyPr/>
-          <a:lstStyle/>
-          <a:p>
-            <a:r>
-              <a:rPr lang="en-GB" dirty="0"/>
-              <a:t>Testing (Backend)</a:t>
-            </a:r>
-          </a:p>
-        </p:txBody>
-      </p:sp>
-      <p:pic>
-        <p:nvPicPr>
-          <p:cNvPr id="5" name="Picture 4">
-            <a:extLst>
-              <a:ext uri="{FF2B5EF4-FFF2-40B4-BE49-F238E27FC236}">
-                <a16:creationId xmlns:a16="http://schemas.microsoft.com/office/drawing/2014/main" id="{462F751C-4923-4671-A234-98835722C9BD}"/>
-              </a:ext>
-            </a:extLst>
-          </p:cNvPr>
-          <p:cNvPicPr>
-            <a:picLocks noChangeAspect="1"/>
-          </p:cNvPicPr>
-          <p:nvPr/>
-        </p:nvPicPr>
-        <p:blipFill>
-          <a:blip r:embed="rId2"/>
-          <a:stretch>
-            <a:fillRect/>
-          </a:stretch>
-        </p:blipFill>
-        <p:spPr>
-          <a:xfrm>
-            <a:off x="2505075" y="2471737"/>
-            <a:ext cx="7181850" cy="1914525"/>
-          </a:xfrm>
-          <a:prstGeom prst="rect">
-            <a:avLst/>
-          </a:prstGeom>
-        </p:spPr>
-      </p:pic>
-    </p:spTree>
-    <p:extLst>
-      <p:ext uri="{BB962C8B-B14F-4D97-AF65-F5344CB8AC3E}">
-        <p14:creationId xmlns:p14="http://schemas.microsoft.com/office/powerpoint/2010/main" val="85492191"/>
       </p:ext>
     </p:extLst>
   </p:cSld>
@@ -7870,7 +8485,7 @@
           <p:cNvPr id="2" name="Title 1">
             <a:extLst>
               <a:ext uri="{FF2B5EF4-FFF2-40B4-BE49-F238E27FC236}">
-                <a16:creationId xmlns:a16="http://schemas.microsoft.com/office/drawing/2014/main" id="{20B1CA43-81A5-4C62-93FF-0C82C34F9904}"/>
+                <a16:creationId xmlns:a16="http://schemas.microsoft.com/office/drawing/2014/main" id="{EB1DAA3F-F3E3-4579-AB37-4E4A90446E0B}"/>
               </a:ext>
             </a:extLst>
           </p:cNvPr>
@@ -7888,46 +8503,17 @@
           <a:p>
             <a:r>
               <a:rPr lang="en-GB" dirty="0"/>
-              <a:t>Testing (Frontend)</a:t>
+              <a:t>Testing (Backend)</a:t>
             </a:r>
           </a:p>
         </p:txBody>
       </p:sp>
       <p:pic>
         <p:nvPicPr>
-          <p:cNvPr id="5" name="Content Placeholder 4">
+          <p:cNvPr id="5" name="Picture 4">
             <a:extLst>
               <a:ext uri="{FF2B5EF4-FFF2-40B4-BE49-F238E27FC236}">
-                <a16:creationId xmlns:a16="http://schemas.microsoft.com/office/drawing/2014/main" id="{2AAA90C7-4CA3-4AF8-BC8D-F921CEA9C02B}"/>
-              </a:ext>
-            </a:extLst>
-          </p:cNvPr>
-          <p:cNvPicPr>
-            <a:picLocks noGrp="1" noChangeAspect="1"/>
-          </p:cNvPicPr>
-          <p:nvPr>
-            <p:ph idx="1"/>
-          </p:nvPr>
-        </p:nvPicPr>
-        <p:blipFill>
-          <a:blip r:embed="rId2"/>
-          <a:stretch>
-            <a:fillRect/>
-          </a:stretch>
-        </p:blipFill>
-        <p:spPr>
-          <a:xfrm>
-            <a:off x="913795" y="1731963"/>
-            <a:ext cx="4613162" cy="4059237"/>
-          </a:xfrm>
-        </p:spPr>
-      </p:pic>
-      <p:pic>
-        <p:nvPicPr>
-          <p:cNvPr id="7" name="Picture 6">
-            <a:extLst>
-              <a:ext uri="{FF2B5EF4-FFF2-40B4-BE49-F238E27FC236}">
-                <a16:creationId xmlns:a16="http://schemas.microsoft.com/office/drawing/2014/main" id="{B8D2D775-0E6F-44B5-B791-9EF780BD386F}"/>
+                <a16:creationId xmlns:a16="http://schemas.microsoft.com/office/drawing/2014/main" id="{462F751C-4923-4671-A234-98835722C9BD}"/>
               </a:ext>
             </a:extLst>
           </p:cNvPr>
@@ -7937,15 +8523,15 @@
           <p:nvPr/>
         </p:nvPicPr>
         <p:blipFill>
-          <a:blip r:embed="rId3"/>
+          <a:blip r:embed="rId2"/>
           <a:stretch>
             <a:fillRect/>
           </a:stretch>
         </p:blipFill>
         <p:spPr>
           <a:xfrm>
-            <a:off x="6665045" y="1731963"/>
-            <a:ext cx="4615535" cy="4059237"/>
+            <a:off x="2505075" y="2471737"/>
+            <a:ext cx="7181850" cy="1914525"/>
           </a:xfrm>
           <a:prstGeom prst="rect">
             <a:avLst/>
@@ -7955,7 +8541,7 @@
     </p:spTree>
     <p:extLst>
       <p:ext uri="{BB962C8B-B14F-4D97-AF65-F5344CB8AC3E}">
-        <p14:creationId xmlns:p14="http://schemas.microsoft.com/office/powerpoint/2010/main" val="142325025"/>
+        <p14:creationId xmlns:p14="http://schemas.microsoft.com/office/powerpoint/2010/main" val="85492191"/>
       </p:ext>
     </p:extLst>
   </p:cSld>
@@ -7987,7 +8573,7 @@
           <p:cNvPr id="2" name="Title 1">
             <a:extLst>
               <a:ext uri="{FF2B5EF4-FFF2-40B4-BE49-F238E27FC236}">
-                <a16:creationId xmlns:a16="http://schemas.microsoft.com/office/drawing/2014/main" id="{3DC5284E-C6A8-461F-B5DD-E1B2888ADEA9}"/>
+                <a16:creationId xmlns:a16="http://schemas.microsoft.com/office/drawing/2014/main" id="{20B1CA43-81A5-4C62-93FF-0C82C34F9904}"/>
               </a:ext>
             </a:extLst>
           </p:cNvPr>
@@ -7995,7 +8581,7 @@
             <a:spLocks noGrp="1"/>
           </p:cNvSpPr>
           <p:nvPr>
-            <p:ph type="ctrTitle"/>
+            <p:ph type="title"/>
           </p:nvPr>
         </p:nvSpPr>
         <p:spPr/>
@@ -8004,42 +8590,75 @@
           <a:lstStyle/>
           <a:p>
             <a:r>
-              <a:rPr lang="en-GB" dirty="0" err="1"/>
-              <a:t>Demonstation</a:t>
-            </a:r>
-            <a:endParaRPr lang="en-GB" dirty="0"/>
-          </a:p>
-        </p:txBody>
-      </p:sp>
-      <p:sp>
-        <p:nvSpPr>
-          <p:cNvPr id="4" name="Subtitle 3">
+              <a:rPr lang="en-GB" dirty="0"/>
+              <a:t>Testing (Frontend)</a:t>
+            </a:r>
+          </a:p>
+        </p:txBody>
+      </p:sp>
+      <p:pic>
+        <p:nvPicPr>
+          <p:cNvPr id="5" name="Content Placeholder 4">
             <a:extLst>
               <a:ext uri="{FF2B5EF4-FFF2-40B4-BE49-F238E27FC236}">
-                <a16:creationId xmlns:a16="http://schemas.microsoft.com/office/drawing/2014/main" id="{041398F6-C68C-4FF0-96CD-32D9BCB5F458}"/>
+                <a16:creationId xmlns:a16="http://schemas.microsoft.com/office/drawing/2014/main" id="{2AAA90C7-4CA3-4AF8-BC8D-F921CEA9C02B}"/>
               </a:ext>
             </a:extLst>
           </p:cNvPr>
-          <p:cNvSpPr>
-            <a:spLocks noGrp="1"/>
-          </p:cNvSpPr>
-          <p:nvPr>
-            <p:ph type="subTitle" idx="1"/>
-          </p:nvPr>
-        </p:nvSpPr>
-        <p:spPr/>
-        <p:txBody>
-          <a:bodyPr/>
-          <a:lstStyle/>
-          <a:p>
-            <a:endParaRPr lang="en-GB"/>
-          </a:p>
-        </p:txBody>
-      </p:sp>
+          <p:cNvPicPr>
+            <a:picLocks noGrp="1" noChangeAspect="1"/>
+          </p:cNvPicPr>
+          <p:nvPr>
+            <p:ph idx="1"/>
+          </p:nvPr>
+        </p:nvPicPr>
+        <p:blipFill>
+          <a:blip r:embed="rId2"/>
+          <a:stretch>
+            <a:fillRect/>
+          </a:stretch>
+        </p:blipFill>
+        <p:spPr>
+          <a:xfrm>
+            <a:off x="913795" y="1731963"/>
+            <a:ext cx="4613162" cy="4059237"/>
+          </a:xfrm>
+        </p:spPr>
+      </p:pic>
+      <p:pic>
+        <p:nvPicPr>
+          <p:cNvPr id="7" name="Picture 6">
+            <a:extLst>
+              <a:ext uri="{FF2B5EF4-FFF2-40B4-BE49-F238E27FC236}">
+                <a16:creationId xmlns:a16="http://schemas.microsoft.com/office/drawing/2014/main" id="{B8D2D775-0E6F-44B5-B791-9EF780BD386F}"/>
+              </a:ext>
+            </a:extLst>
+          </p:cNvPr>
+          <p:cNvPicPr>
+            <a:picLocks noChangeAspect="1"/>
+          </p:cNvPicPr>
+          <p:nvPr/>
+        </p:nvPicPr>
+        <p:blipFill>
+          <a:blip r:embed="rId3"/>
+          <a:stretch>
+            <a:fillRect/>
+          </a:stretch>
+        </p:blipFill>
+        <p:spPr>
+          <a:xfrm>
+            <a:off x="6665045" y="1731963"/>
+            <a:ext cx="4615535" cy="4059237"/>
+          </a:xfrm>
+          <a:prstGeom prst="rect">
+            <a:avLst/>
+          </a:prstGeom>
+        </p:spPr>
+      </p:pic>
     </p:spTree>
     <p:extLst>
       <p:ext uri="{BB962C8B-B14F-4D97-AF65-F5344CB8AC3E}">
-        <p14:creationId xmlns:p14="http://schemas.microsoft.com/office/powerpoint/2010/main" val="90791087"/>
+        <p14:creationId xmlns:p14="http://schemas.microsoft.com/office/powerpoint/2010/main" val="142325025"/>
       </p:ext>
     </p:extLst>
   </p:cSld>
